--- a/processed/mvccc/210_主復活.pptx
+++ b/processed/mvccc/210_主復活.pptx
@@ -14,6 +14,10 @@
     <p:sldId id="259" r:id="rId11"/>
     <p:sldId id="260" r:id="rId12"/>
     <p:sldId id="261" r:id="rId13"/>
+    <p:sldId id="262" r:id="rId14"/>
+    <p:sldId id="263" r:id="rId15"/>
+    <p:sldId id="264" r:id="rId16"/>
+    <p:sldId id="265" r:id="rId17"/>
   </p:sldIdLst>
   <p:sldSz cx="12192000" cy="6858000"/>
   <p:notesSz cx="6858000" cy="9144000"/>
@@ -64,14 +68,14 @@
           <a:noFill/>
         </a:ln>
         <a:solidFill>
-          <a:srgbClr val="000514"/>
+          <a:srgbClr val="0B0F14"/>
         </a:solidFill>
         <a:effectLst/>
         <a:uFillTx/>
-        <a:latin typeface="+mn-lt"/>
-        <a:ea typeface="+mn-ea"/>
-        <a:cs typeface="+mn-cs"/>
-        <a:sym typeface="Helvetica"/>
+        <a:latin typeface="+mj-lt"/>
+        <a:ea typeface="+mj-ea"/>
+        <a:cs typeface="+mj-cs"/>
+        <a:sym typeface="Arial"/>
       </a:defRPr>
     </a:lvl1pPr>
     <a:lvl2pPr marL="0" marR="0" indent="0" algn="l" defTabSz="914400" rtl="0" fontAlgn="auto" latinLnBrk="0" hangingPunct="0">
@@ -94,14 +98,14 @@
           <a:noFill/>
         </a:ln>
         <a:solidFill>
-          <a:srgbClr val="000514"/>
+          <a:srgbClr val="0B0F14"/>
         </a:solidFill>
         <a:effectLst/>
         <a:uFillTx/>
-        <a:latin typeface="+mn-lt"/>
-        <a:ea typeface="+mn-ea"/>
-        <a:cs typeface="+mn-cs"/>
-        <a:sym typeface="Helvetica"/>
+        <a:latin typeface="+mj-lt"/>
+        <a:ea typeface="+mj-ea"/>
+        <a:cs typeface="+mj-cs"/>
+        <a:sym typeface="Arial"/>
       </a:defRPr>
     </a:lvl2pPr>
     <a:lvl3pPr marL="0" marR="0" indent="0" algn="l" defTabSz="914400" rtl="0" fontAlgn="auto" latinLnBrk="0" hangingPunct="0">
@@ -124,14 +128,14 @@
           <a:noFill/>
         </a:ln>
         <a:solidFill>
-          <a:srgbClr val="000514"/>
+          <a:srgbClr val="0B0F14"/>
         </a:solidFill>
         <a:effectLst/>
         <a:uFillTx/>
-        <a:latin typeface="+mn-lt"/>
-        <a:ea typeface="+mn-ea"/>
-        <a:cs typeface="+mn-cs"/>
-        <a:sym typeface="Helvetica"/>
+        <a:latin typeface="+mj-lt"/>
+        <a:ea typeface="+mj-ea"/>
+        <a:cs typeface="+mj-cs"/>
+        <a:sym typeface="Arial"/>
       </a:defRPr>
     </a:lvl3pPr>
     <a:lvl4pPr marL="0" marR="0" indent="0" algn="l" defTabSz="914400" rtl="0" fontAlgn="auto" latinLnBrk="0" hangingPunct="0">
@@ -154,14 +158,14 @@
           <a:noFill/>
         </a:ln>
         <a:solidFill>
-          <a:srgbClr val="000514"/>
+          <a:srgbClr val="0B0F14"/>
         </a:solidFill>
         <a:effectLst/>
         <a:uFillTx/>
-        <a:latin typeface="+mn-lt"/>
-        <a:ea typeface="+mn-ea"/>
-        <a:cs typeface="+mn-cs"/>
-        <a:sym typeface="Helvetica"/>
+        <a:latin typeface="+mj-lt"/>
+        <a:ea typeface="+mj-ea"/>
+        <a:cs typeface="+mj-cs"/>
+        <a:sym typeface="Arial"/>
       </a:defRPr>
     </a:lvl4pPr>
     <a:lvl5pPr marL="0" marR="0" indent="0" algn="l" defTabSz="914400" rtl="0" fontAlgn="auto" latinLnBrk="0" hangingPunct="0">
@@ -184,14 +188,14 @@
           <a:noFill/>
         </a:ln>
         <a:solidFill>
-          <a:srgbClr val="000514"/>
+          <a:srgbClr val="0B0F14"/>
         </a:solidFill>
         <a:effectLst/>
         <a:uFillTx/>
-        <a:latin typeface="+mn-lt"/>
-        <a:ea typeface="+mn-ea"/>
-        <a:cs typeface="+mn-cs"/>
-        <a:sym typeface="Helvetica"/>
+        <a:latin typeface="+mj-lt"/>
+        <a:ea typeface="+mj-ea"/>
+        <a:cs typeface="+mj-cs"/>
+        <a:sym typeface="Arial"/>
       </a:defRPr>
     </a:lvl5pPr>
     <a:lvl6pPr marL="0" marR="0" indent="0" algn="l" defTabSz="914400" rtl="0" fontAlgn="auto" latinLnBrk="0" hangingPunct="0">
@@ -214,14 +218,14 @@
           <a:noFill/>
         </a:ln>
         <a:solidFill>
-          <a:srgbClr val="000514"/>
+          <a:srgbClr val="0B0F14"/>
         </a:solidFill>
         <a:effectLst/>
         <a:uFillTx/>
-        <a:latin typeface="+mn-lt"/>
-        <a:ea typeface="+mn-ea"/>
-        <a:cs typeface="+mn-cs"/>
-        <a:sym typeface="Helvetica"/>
+        <a:latin typeface="+mj-lt"/>
+        <a:ea typeface="+mj-ea"/>
+        <a:cs typeface="+mj-cs"/>
+        <a:sym typeface="Arial"/>
       </a:defRPr>
     </a:lvl6pPr>
     <a:lvl7pPr marL="0" marR="0" indent="0" algn="l" defTabSz="914400" rtl="0" fontAlgn="auto" latinLnBrk="0" hangingPunct="0">
@@ -244,14 +248,14 @@
           <a:noFill/>
         </a:ln>
         <a:solidFill>
-          <a:srgbClr val="000514"/>
+          <a:srgbClr val="0B0F14"/>
         </a:solidFill>
         <a:effectLst/>
         <a:uFillTx/>
-        <a:latin typeface="+mn-lt"/>
-        <a:ea typeface="+mn-ea"/>
-        <a:cs typeface="+mn-cs"/>
-        <a:sym typeface="Helvetica"/>
+        <a:latin typeface="+mj-lt"/>
+        <a:ea typeface="+mj-ea"/>
+        <a:cs typeface="+mj-cs"/>
+        <a:sym typeface="Arial"/>
       </a:defRPr>
     </a:lvl7pPr>
     <a:lvl8pPr marL="0" marR="0" indent="0" algn="l" defTabSz="914400" rtl="0" fontAlgn="auto" latinLnBrk="0" hangingPunct="0">
@@ -274,14 +278,14 @@
           <a:noFill/>
         </a:ln>
         <a:solidFill>
-          <a:srgbClr val="000514"/>
+          <a:srgbClr val="0B0F14"/>
         </a:solidFill>
         <a:effectLst/>
         <a:uFillTx/>
-        <a:latin typeface="+mn-lt"/>
-        <a:ea typeface="+mn-ea"/>
-        <a:cs typeface="+mn-cs"/>
-        <a:sym typeface="Helvetica"/>
+        <a:latin typeface="+mj-lt"/>
+        <a:ea typeface="+mj-ea"/>
+        <a:cs typeface="+mj-cs"/>
+        <a:sym typeface="Arial"/>
       </a:defRPr>
     </a:lvl8pPr>
     <a:lvl9pPr marL="0" marR="0" indent="0" algn="l" defTabSz="914400" rtl="0" fontAlgn="auto" latinLnBrk="0" hangingPunct="0">
@@ -304,14 +308,14 @@
           <a:noFill/>
         </a:ln>
         <a:solidFill>
-          <a:srgbClr val="000514"/>
+          <a:srgbClr val="0B0F14"/>
         </a:solidFill>
         <a:effectLst/>
         <a:uFillTx/>
-        <a:latin typeface="+mn-lt"/>
-        <a:ea typeface="+mn-ea"/>
-        <a:cs typeface="+mn-cs"/>
-        <a:sym typeface="Helvetica"/>
+        <a:latin typeface="+mj-lt"/>
+        <a:ea typeface="+mj-ea"/>
+        <a:cs typeface="+mj-cs"/>
+        <a:sym typeface="Arial"/>
       </a:defRPr>
     </a:lvl9pPr>
   </p:defaultTextStyle>
@@ -341,7 +345,7 @@
       </p:grpSpPr>
       <p:sp>
         <p:nvSpPr>
-          <p:cNvPr id="92" name="Shape 92"/>
+          <p:cNvPr id="101" name="Shape 101"/>
           <p:cNvSpPr/>
           <p:nvPr>
             <p:ph type="sldImg"/>
@@ -366,7 +370,7 @@
       </p:sp>
       <p:sp>
         <p:nvSpPr>
-          <p:cNvPr id="93" name="Shape 93"/>
+          <p:cNvPr id="102" name="Shape 102"/>
           <p:cNvSpPr/>
           <p:nvPr>
             <p:ph type="body" sz="quarter" idx="1"/>
@@ -515,93 +519,10 @@
       </p:grpSpPr>
       <p:sp>
         <p:nvSpPr>
-          <p:cNvPr id="19" name="Body Level One…"/>
-          <p:cNvSpPr txBox="1"/>
-          <p:nvPr>
-            <p:ph type="body" sz="half" idx="1"/>
-          </p:nvPr>
-        </p:nvSpPr>
-        <p:spPr>
-          <a:xfrm>
-            <a:off x="1371600" y="989199"/>
-            <a:ext cx="6019800" cy="4879601"/>
-          </a:xfrm>
-          <a:prstGeom prst="rect">
-            <a:avLst/>
-          </a:prstGeom>
-        </p:spPr>
-        <p:txBody>
-          <a:bodyPr/>
-          <a:lstStyle>
-            <a:lvl1pPr algn="l">
-              <a:spcBef>
-                <a:spcPts val="500"/>
-              </a:spcBef>
-              <a:defRPr sz="4800"/>
-            </a:lvl1pPr>
-            <a:lvl2pPr marL="947057" indent="-489857" algn="l">
-              <a:spcBef>
-                <a:spcPts val="500"/>
-              </a:spcBef>
-              <a:defRPr sz="4800"/>
-            </a:lvl2pPr>
-            <a:lvl3pPr marL="1371600" indent="-457200" algn="l">
-              <a:spcBef>
-                <a:spcPts val="500"/>
-              </a:spcBef>
-              <a:defRPr sz="4800"/>
-            </a:lvl3pPr>
-            <a:lvl4pPr marL="1920238" indent="-548638" algn="l">
-              <a:spcBef>
-                <a:spcPts val="500"/>
-              </a:spcBef>
-              <a:defRPr sz="4800"/>
-            </a:lvl4pPr>
-            <a:lvl5pPr marL="2377438" indent="-548638" algn="l">
-              <a:spcBef>
-                <a:spcPts val="500"/>
-              </a:spcBef>
-              <a:defRPr sz="4800"/>
-            </a:lvl5pPr>
-          </a:lstStyle>
-          <a:p>
-            <a:pPr/>
-            <a:r>
-              <a:t>Body Level One</a:t>
-            </a:r>
-          </a:p>
-          <a:p>
-            <a:pPr lvl="1"/>
-            <a:r>
-              <a:t>Body Level Two</a:t>
-            </a:r>
-          </a:p>
-          <a:p>
-            <a:pPr lvl="2"/>
-            <a:r>
-              <a:t>Body Level Three</a:t>
-            </a:r>
-          </a:p>
-          <a:p>
-            <a:pPr lvl="3"/>
-            <a:r>
-              <a:t>Body Level Four</a:t>
-            </a:r>
-          </a:p>
-          <a:p>
-            <a:pPr lvl="4"/>
-            <a:r>
-              <a:t>Body Level Five</a:t>
-            </a:r>
-          </a:p>
-        </p:txBody>
-      </p:sp>
-      <p:sp>
-        <p:nvSpPr>
           <p:cNvPr id="20" name="Picture Placeholder 7"/>
           <p:cNvSpPr/>
           <p:nvPr>
-            <p:ph type="pic" sz="half" idx="13"/>
+            <p:ph type="pic" sz="half" idx="21"/>
           </p:nvPr>
         </p:nvSpPr>
         <p:spPr>
@@ -625,13 +546,125 @@
       </p:sp>
       <p:sp>
         <p:nvSpPr>
-          <p:cNvPr id="21" name="Slide Number"/>
+          <p:cNvPr id="21" name="Title Text"/>
+          <p:cNvSpPr txBox="1"/>
+          <p:nvPr>
+            <p:ph type="title"/>
+          </p:nvPr>
+        </p:nvSpPr>
+        <p:spPr>
+          <a:xfrm>
+            <a:off x="264959" y="679008"/>
+            <a:ext cx="7385769" cy="5499984"/>
+          </a:xfrm>
+          <a:prstGeom prst="rect">
+            <a:avLst/>
+          </a:prstGeom>
+        </p:spPr>
+        <p:txBody>
+          <a:bodyPr/>
+          <a:lstStyle/>
+          <a:p>
+            <a:pPr/>
+            <a:r>
+              <a:t>Title Text</a:t>
+            </a:r>
+          </a:p>
+        </p:txBody>
+      </p:sp>
+      <p:sp>
+        <p:nvSpPr>
+          <p:cNvPr id="22" name="Slide Number"/>
           <p:cNvSpPr txBox="1"/>
           <p:nvPr>
             <p:ph type="sldNum" sz="quarter" idx="2"/>
           </p:nvPr>
         </p:nvSpPr>
         <p:spPr>
+          <a:prstGeom prst="rect">
+            <a:avLst/>
+          </a:prstGeom>
+        </p:spPr>
+        <p:txBody>
+          <a:bodyPr/>
+          <a:lstStyle/>
+          <a:p>
+            <a:pPr/>
+            <a:fld id="{86CB4B4D-7CA3-9044-876B-883B54F8677D}" type="slidenum"/>
+          </a:p>
+        </p:txBody>
+      </p:sp>
+    </p:spTree>
+  </p:cSld>
+  <p:clrMapOvr>
+    <a:masterClrMapping/>
+  </p:clrMapOvr>
+  <p:transition xmlns:p14="http://schemas.microsoft.com/office/powerpoint/2010/main" spd="med" advClick="1"/>
+</p:sldLayout>
+</file>
+
+<file path=ppt/slideLayouts/slideLayout10.xml><?xml version="1.0" encoding="utf-8"?>
+<p:sldLayout xmlns:a="http://schemas.openxmlformats.org/drawingml/2006/main" xmlns:r="http://schemas.openxmlformats.org/officeDocument/2006/relationships" xmlns:p="http://schemas.openxmlformats.org/presentationml/2006/main" xmlns:m="http://schemas.openxmlformats.org/officeDocument/2006/math" xmlns:a14="http://schemas.microsoft.com/office/drawing/2010/main" type="tx" showMasterSp="1" showMasterPhAnim="1">
+  <p:cSld name="hymn_lyrics">
+    <p:spTree>
+      <p:nvGrpSpPr>
+        <p:cNvPr id="1" name=""/>
+        <p:cNvGrpSpPr/>
+        <p:nvPr/>
+      </p:nvGrpSpPr>
+      <p:grpSpPr>
+        <a:xfrm>
+          <a:off x="0" y="0"/>
+          <a:ext cx="0" cy="0"/>
+          <a:chOff x="0" y="0"/>
+          <a:chExt cx="0" cy="0"/>
+        </a:xfrm>
+      </p:grpSpPr>
+      <p:sp>
+        <p:nvSpPr>
+          <p:cNvPr id="94" name="Body Level One…"/>
+          <p:cNvSpPr txBox="1"/>
+          <p:nvPr>
+            <p:ph type="body" idx="21" hasCustomPrompt="1"/>
+          </p:nvPr>
+        </p:nvSpPr>
+        <p:spPr>
+          <a:xfrm>
+            <a:off x="406400" y="589901"/>
+            <a:ext cx="11379200" cy="5678198"/>
+          </a:xfrm>
+          <a:prstGeom prst="rect">
+            <a:avLst/>
+          </a:prstGeom>
+        </p:spPr>
+        <p:txBody>
+          <a:bodyPr/>
+          <a:lstStyle>
+            <a:lvl1pPr algn="ctr">
+              <a:defRPr sz="7200"/>
+            </a:lvl1pPr>
+          </a:lstStyle>
+          <a:p>
+            <a:pPr/>
+            <a:r>
+              <a:t>惟獨仰賴活聖靈</a:t>
+            </a:r>
+          </a:p>
+        </p:txBody>
+      </p:sp>
+      <p:sp>
+        <p:nvSpPr>
+          <p:cNvPr id="95" name="Slide Number"/>
+          <p:cNvSpPr txBox="1"/>
+          <p:nvPr>
+            <p:ph type="sldNum" sz="quarter" idx="2"/>
+          </p:nvPr>
+        </p:nvSpPr>
+        <p:spPr>
+          <a:xfrm>
+            <a:off x="5892800" y="6172200"/>
+            <a:ext cx="2844800" cy="368301"/>
+          </a:xfrm>
           <a:prstGeom prst="rect">
             <a:avLst/>
           </a:prstGeom>
@@ -673,16 +706,16 @@
       </p:grpSpPr>
       <p:sp>
         <p:nvSpPr>
-          <p:cNvPr id="28" name="Body Level One…"/>
+          <p:cNvPr id="29" name="Body Level One…"/>
           <p:cNvSpPr txBox="1"/>
           <p:nvPr>
-            <p:ph type="body" idx="1"/>
+            <p:ph type="body" idx="21" hasCustomPrompt="1"/>
           </p:nvPr>
         </p:nvSpPr>
         <p:spPr>
           <a:xfrm>
-            <a:off x="762000" y="1066800"/>
-            <a:ext cx="10414000" cy="4267200"/>
+            <a:off x="406400" y="1843762"/>
+            <a:ext cx="11379201" cy="3170476"/>
           </a:xfrm>
           <a:prstGeom prst="rect">
             <a:avLst/>
@@ -691,72 +724,30 @@
         <p:txBody>
           <a:bodyPr/>
           <a:lstStyle>
-            <a:lvl1pPr algn="l">
+            <a:lvl1pPr marL="339470" indent="-339470" defTabSz="905255">
               <a:spcBef>
-                <a:spcPts val="500"/>
+                <a:spcPts val="400"/>
               </a:spcBef>
-              <a:defRPr sz="4800"/>
+              <a:defRPr sz="6336">
+                <a:effectLst>
+                  <a:outerShdw sx="100000" sy="100000" kx="0" ky="0" algn="b" rotWithShape="0" blurRad="37719" dist="37719" dir="2700000">
+                    <a:srgbClr val="0B0F14"/>
+                  </a:outerShdw>
+                </a:effectLst>
+              </a:defRPr>
             </a:lvl1pPr>
-            <a:lvl2pPr marL="947057" indent="-489857" algn="l">
-              <a:spcBef>
-                <a:spcPts val="500"/>
-              </a:spcBef>
-              <a:defRPr sz="4800"/>
-            </a:lvl2pPr>
-            <a:lvl3pPr marL="1371600" indent="-457200" algn="l">
-              <a:spcBef>
-                <a:spcPts val="500"/>
-              </a:spcBef>
-              <a:defRPr sz="4800"/>
-            </a:lvl3pPr>
-            <a:lvl4pPr marL="1920238" indent="-548638" algn="l">
-              <a:spcBef>
-                <a:spcPts val="500"/>
-              </a:spcBef>
-              <a:defRPr sz="4800"/>
-            </a:lvl4pPr>
-            <a:lvl5pPr marL="2377438" indent="-548638" algn="l">
-              <a:spcBef>
-                <a:spcPts val="500"/>
-              </a:spcBef>
-              <a:defRPr sz="4800"/>
-            </a:lvl5pPr>
           </a:lstStyle>
           <a:p>
             <a:pPr/>
             <a:r>
-              <a:t>Body Level One</a:t>
-            </a:r>
-          </a:p>
-          <a:p>
-            <a:pPr lvl="1"/>
-            <a:r>
-              <a:t>Body Level Two</a:t>
-            </a:r>
-          </a:p>
-          <a:p>
-            <a:pPr lvl="2"/>
-            <a:r>
-              <a:t>Body Level Three</a:t>
-            </a:r>
-          </a:p>
-          <a:p>
-            <a:pPr lvl="3"/>
-            <a:r>
-              <a:t>Body Level Four</a:t>
-            </a:r>
-          </a:p>
-          <a:p>
-            <a:pPr lvl="4"/>
-            <a:r>
-              <a:t>Body Level Five</a:t>
+              <a:t>惟耶和華在他的聖殿中；全地的人，都當在他面前肅敬靜默。</a:t>
             </a:r>
           </a:p>
         </p:txBody>
       </p:sp>
       <p:sp>
         <p:nvSpPr>
-          <p:cNvPr id="29" name="Slide Number"/>
+          <p:cNvPr id="30" name="Slide Number"/>
           <p:cNvSpPr txBox="1"/>
           <p:nvPr>
             <p:ph type="sldNum" sz="quarter" idx="2"/>
@@ -787,7 +778,7 @@
 
 <file path=ppt/slideLayouts/slideLayout3.xml><?xml version="1.0" encoding="utf-8"?>
 <p:sldLayout xmlns:a="http://schemas.openxmlformats.org/drawingml/2006/main" xmlns:r="http://schemas.openxmlformats.org/officeDocument/2006/relationships" xmlns:p="http://schemas.openxmlformats.org/presentationml/2006/main" xmlns:m="http://schemas.openxmlformats.org/officeDocument/2006/math" xmlns:a14="http://schemas.microsoft.com/office/drawing/2010/main" type="tx" showMasterSp="1" showMasterPhAnim="1">
-  <p:cSld name="hymn">
+  <p:cSld name="verse">
     <p:spTree>
       <p:nvGrpSpPr>
         <p:cNvPr id="1" name=""/>
@@ -804,10 +795,10 @@
       </p:grpSpPr>
       <p:sp>
         <p:nvSpPr>
-          <p:cNvPr id="36" name="Title Text"/>
+          <p:cNvPr id="37" name="約翰福音 3:16"/>
           <p:cNvSpPr txBox="1"/>
           <p:nvPr>
-            <p:ph type="title"/>
+            <p:ph type="title" hasCustomPrompt="1"/>
           </p:nvPr>
         </p:nvSpPr>
         <p:spPr>
@@ -821,17 +812,17 @@
           <a:p>
             <a:pPr/>
             <a:r>
-              <a:t>Title Text</a:t>
+              <a:t>約翰福音 3:16</a:t>
             </a:r>
           </a:p>
         </p:txBody>
       </p:sp>
       <p:sp>
         <p:nvSpPr>
-          <p:cNvPr id="37" name="Body Level One…"/>
+          <p:cNvPr id="38" name="Body Level One…"/>
           <p:cNvSpPr txBox="1"/>
           <p:nvPr>
-            <p:ph type="body" idx="1"/>
+            <p:ph type="body" idx="21" hasCustomPrompt="1"/>
           </p:nvPr>
         </p:nvSpPr>
         <p:spPr>
@@ -845,38 +836,14 @@
           <a:p>
             <a:pPr/>
             <a:r>
-              <a:t>Body Level One</a:t>
-            </a:r>
-          </a:p>
-          <a:p>
-            <a:pPr lvl="1"/>
-            <a:r>
-              <a:t>Body Level Two</a:t>
-            </a:r>
-          </a:p>
-          <a:p>
-            <a:pPr lvl="2"/>
-            <a:r>
-              <a:t>Body Level Three</a:t>
-            </a:r>
-          </a:p>
-          <a:p>
-            <a:pPr lvl="3"/>
-            <a:r>
-              <a:t>Body Level Four</a:t>
-            </a:r>
-          </a:p>
-          <a:p>
-            <a:pPr lvl="4"/>
-            <a:r>
-              <a:t>Body Level Five</a:t>
+              <a:t>神愛世人，甚至將他的獨生子賜給他們，叫一切信他的不至滅亡反得永生。</a:t>
             </a:r>
           </a:p>
         </p:txBody>
       </p:sp>
       <p:sp>
         <p:nvSpPr>
-          <p:cNvPr id="38" name="Slide Number"/>
+          <p:cNvPr id="39" name="Slide Number"/>
           <p:cNvSpPr txBox="1"/>
           <p:nvPr>
             <p:ph type="sldNum" sz="quarter" idx="2"/>
@@ -907,7 +874,7 @@
 
 <file path=ppt/slideLayouts/slideLayout4.xml><?xml version="1.0" encoding="utf-8"?>
 <p:sldLayout xmlns:a="http://schemas.openxmlformats.org/drawingml/2006/main" xmlns:r="http://schemas.openxmlformats.org/officeDocument/2006/relationships" xmlns:p="http://schemas.openxmlformats.org/presentationml/2006/main" xmlns:m="http://schemas.openxmlformats.org/officeDocument/2006/math" xmlns:a14="http://schemas.microsoft.com/office/drawing/2010/main" type="tx" showMasterSp="1" showMasterPhAnim="1">
-  <p:cSld name="verse">
+  <p:cSld name="memorize">
     <p:spTree>
       <p:nvGrpSpPr>
         <p:cNvPr id="1" name=""/>
@@ -924,10 +891,43 @@
       </p:grpSpPr>
       <p:sp>
         <p:nvSpPr>
-          <p:cNvPr id="45" name="Title Text"/>
+          <p:cNvPr id="46" name="本週金句"/>
           <p:cNvSpPr txBox="1"/>
           <p:nvPr>
-            <p:ph type="title"/>
+            <p:ph type="title" hasCustomPrompt="1"/>
+          </p:nvPr>
+        </p:nvSpPr>
+        <p:spPr>
+          <a:prstGeom prst="rect">
+            <a:avLst/>
+          </a:prstGeom>
+        </p:spPr>
+        <p:txBody>
+          <a:bodyPr/>
+          <a:lstStyle>
+            <a:lvl1pPr>
+              <a:defRPr b="1" sz="6000">
+                <a:latin typeface="Helvetica Neue"/>
+                <a:ea typeface="Helvetica Neue"/>
+                <a:cs typeface="Helvetica Neue"/>
+                <a:sym typeface="Helvetica Neue"/>
+              </a:defRPr>
+            </a:lvl1pPr>
+          </a:lstStyle>
+          <a:p>
+            <a:pPr/>
+            <a:r>
+              <a:t>本週金句</a:t>
+            </a:r>
+          </a:p>
+        </p:txBody>
+      </p:sp>
+      <p:sp>
+        <p:nvSpPr>
+          <p:cNvPr id="47" name="Body Level One…"/>
+          <p:cNvSpPr txBox="1"/>
+          <p:nvPr>
+            <p:ph type="body" idx="21" hasCustomPrompt="1"/>
           </p:nvPr>
         </p:nvSpPr>
         <p:spPr>
@@ -941,93 +941,14 @@
           <a:p>
             <a:pPr/>
             <a:r>
-              <a:t>Title Text</a:t>
+              <a:t>       神愛世人，甚至將他的獨生子賜給他們，叫一切信他的不至滅亡反得永生。</a:t>
             </a:r>
           </a:p>
         </p:txBody>
       </p:sp>
       <p:sp>
         <p:nvSpPr>
-          <p:cNvPr id="46" name="Body Level One…"/>
-          <p:cNvSpPr txBox="1"/>
-          <p:nvPr>
-            <p:ph type="body" idx="1"/>
-          </p:nvPr>
-        </p:nvSpPr>
-        <p:spPr>
-          <a:prstGeom prst="rect">
-            <a:avLst/>
-          </a:prstGeom>
-        </p:spPr>
-        <p:txBody>
-          <a:bodyPr/>
-          <a:lstStyle>
-            <a:lvl1pPr algn="l">
-              <a:spcBef>
-                <a:spcPts val="500"/>
-              </a:spcBef>
-              <a:defRPr sz="4800"/>
-            </a:lvl1pPr>
-            <a:lvl2pPr marL="947057" indent="-489857" algn="l">
-              <a:spcBef>
-                <a:spcPts val="500"/>
-              </a:spcBef>
-              <a:defRPr sz="4800"/>
-            </a:lvl2pPr>
-            <a:lvl3pPr marL="1371600" indent="-457200" algn="l">
-              <a:spcBef>
-                <a:spcPts val="500"/>
-              </a:spcBef>
-              <a:defRPr sz="4800"/>
-            </a:lvl3pPr>
-            <a:lvl4pPr marL="1920238" indent="-548638" algn="l">
-              <a:spcBef>
-                <a:spcPts val="500"/>
-              </a:spcBef>
-              <a:defRPr sz="4800"/>
-            </a:lvl4pPr>
-            <a:lvl5pPr marL="2377438" indent="-548638" algn="l">
-              <a:spcBef>
-                <a:spcPts val="500"/>
-              </a:spcBef>
-              <a:defRPr sz="4800"/>
-            </a:lvl5pPr>
-          </a:lstStyle>
-          <a:p>
-            <a:pPr/>
-            <a:r>
-              <a:t>Body Level One</a:t>
-            </a:r>
-          </a:p>
-          <a:p>
-            <a:pPr lvl="1"/>
-            <a:r>
-              <a:t>Body Level Two</a:t>
-            </a:r>
-          </a:p>
-          <a:p>
-            <a:pPr lvl="2"/>
-            <a:r>
-              <a:t>Body Level Three</a:t>
-            </a:r>
-          </a:p>
-          <a:p>
-            <a:pPr lvl="3"/>
-            <a:r>
-              <a:t>Body Level Four</a:t>
-            </a:r>
-          </a:p>
-          <a:p>
-            <a:pPr lvl="4"/>
-            <a:r>
-              <a:t>Body Level Five</a:t>
-            </a:r>
-          </a:p>
-        </p:txBody>
-      </p:sp>
-      <p:sp>
-        <p:nvSpPr>
-          <p:cNvPr id="47" name="Slide Number"/>
+          <p:cNvPr id="48" name="Slide Number"/>
           <p:cNvSpPr txBox="1"/>
           <p:nvPr>
             <p:ph type="sldNum" sz="quarter" idx="2"/>
@@ -1058,7 +979,7 @@
 
 <file path=ppt/slideLayouts/slideLayout5.xml><?xml version="1.0" encoding="utf-8"?>
 <p:sldLayout xmlns:a="http://schemas.openxmlformats.org/drawingml/2006/main" xmlns:r="http://schemas.openxmlformats.org/officeDocument/2006/relationships" xmlns:p="http://schemas.openxmlformats.org/presentationml/2006/main" xmlns:m="http://schemas.openxmlformats.org/officeDocument/2006/math" xmlns:a14="http://schemas.microsoft.com/office/drawing/2010/main" type="tx" showMasterSp="1" showMasterPhAnim="1">
-  <p:cSld name="memorize">
+  <p:cSld name="teaching">
     <p:spTree>
       <p:nvGrpSpPr>
         <p:cNvPr id="1" name=""/>
@@ -1075,10 +996,10 @@
       </p:grpSpPr>
       <p:sp>
         <p:nvSpPr>
-          <p:cNvPr id="54" name="Title Text"/>
+          <p:cNvPr id="55" name="信息"/>
           <p:cNvSpPr txBox="1"/>
           <p:nvPr>
-            <p:ph type="title"/>
+            <p:ph type="title" hasCustomPrompt="1"/>
           </p:nvPr>
         </p:nvSpPr>
         <p:spPr>
@@ -1090,23 +1011,28 @@
           <a:bodyPr/>
           <a:lstStyle>
             <a:lvl1pPr>
-              <a:defRPr sz="6000"/>
+              <a:defRPr b="1" sz="6000">
+                <a:latin typeface="Helvetica Neue"/>
+                <a:ea typeface="Helvetica Neue"/>
+                <a:cs typeface="Helvetica Neue"/>
+                <a:sym typeface="Helvetica Neue"/>
+              </a:defRPr>
             </a:lvl1pPr>
           </a:lstStyle>
           <a:p>
             <a:pPr/>
             <a:r>
-              <a:t>Title Text</a:t>
+              <a:t>信息</a:t>
             </a:r>
           </a:p>
         </p:txBody>
       </p:sp>
       <p:sp>
         <p:nvSpPr>
-          <p:cNvPr id="55" name="Body Level One…"/>
+          <p:cNvPr id="56" name="Body Level One…"/>
           <p:cNvSpPr txBox="1"/>
           <p:nvPr>
-            <p:ph type="body" idx="1"/>
+            <p:ph type="body" idx="21" hasCustomPrompt="1"/>
           </p:nvPr>
         </p:nvSpPr>
         <p:spPr>
@@ -1117,72 +1043,19 @@
         <p:txBody>
           <a:bodyPr/>
           <a:lstStyle>
-            <a:lvl1pPr algn="l">
-              <a:spcBef>
-                <a:spcPts val="500"/>
-              </a:spcBef>
-              <a:defRPr sz="4800"/>
-            </a:lvl1pPr>
-            <a:lvl2pPr marL="947057" indent="-489857" algn="l">
-              <a:spcBef>
-                <a:spcPts val="500"/>
-              </a:spcBef>
-              <a:defRPr sz="4800"/>
-            </a:lvl2pPr>
-            <a:lvl3pPr marL="1371600" indent="-457200" algn="l">
-              <a:spcBef>
-                <a:spcPts val="500"/>
-              </a:spcBef>
-              <a:defRPr sz="4800"/>
-            </a:lvl3pPr>
-            <a:lvl4pPr marL="1920238" indent="-548638" algn="l">
-              <a:spcBef>
-                <a:spcPts val="500"/>
-              </a:spcBef>
-              <a:defRPr sz="4800"/>
-            </a:lvl4pPr>
-            <a:lvl5pPr marL="2377438" indent="-548638" algn="l">
-              <a:spcBef>
-                <a:spcPts val="500"/>
-              </a:spcBef>
-              <a:defRPr sz="4800"/>
-            </a:lvl5pPr>
+            <a:lvl1pPr algn="ctr"/>
           </a:lstStyle>
           <a:p>
             <a:pPr/>
             <a:r>
-              <a:t>Body Level One</a:t>
-            </a:r>
-          </a:p>
-          <a:p>
-            <a:pPr lvl="1"/>
-            <a:r>
-              <a:t>Body Level Two</a:t>
-            </a:r>
-          </a:p>
-          <a:p>
-            <a:pPr lvl="2"/>
-            <a:r>
-              <a:t>Body Level Three</a:t>
-            </a:r>
-          </a:p>
-          <a:p>
-            <a:pPr lvl="3"/>
-            <a:r>
-              <a:t>Body Level Four</a:t>
-            </a:r>
-          </a:p>
-          <a:p>
-            <a:pPr lvl="4"/>
-            <a:r>
-              <a:t>Body Level Five</a:t>
+              <a:t>神愛世人</a:t>
             </a:r>
           </a:p>
         </p:txBody>
       </p:sp>
       <p:sp>
         <p:nvSpPr>
-          <p:cNvPr id="56" name="Slide Number"/>
+          <p:cNvPr id="57" name="Slide Number"/>
           <p:cNvSpPr txBox="1"/>
           <p:nvPr>
             <p:ph type="sldNum" sz="quarter" idx="2"/>
@@ -1213,7 +1086,7 @@
 
 <file path=ppt/slideLayouts/slideLayout6.xml><?xml version="1.0" encoding="utf-8"?>
 <p:sldLayout xmlns:a="http://schemas.openxmlformats.org/drawingml/2006/main" xmlns:r="http://schemas.openxmlformats.org/officeDocument/2006/relationships" xmlns:p="http://schemas.openxmlformats.org/presentationml/2006/main" xmlns:m="http://schemas.openxmlformats.org/officeDocument/2006/math" xmlns:a14="http://schemas.microsoft.com/office/drawing/2010/main" type="tx" showMasterSp="1" showMasterPhAnim="1">
-  <p:cSld name="teaching">
+  <p:cSld name="section">
     <p:spTree>
       <p:nvGrpSpPr>
         <p:cNvPr id="1" name=""/>
@@ -1230,16 +1103,16 @@
       </p:grpSpPr>
       <p:sp>
         <p:nvSpPr>
-          <p:cNvPr id="63" name="Title Text"/>
+          <p:cNvPr id="64" name="頌讚"/>
           <p:cNvSpPr txBox="1"/>
           <p:nvPr>
-            <p:ph type="title"/>
+            <p:ph type="title" hasCustomPrompt="1"/>
           </p:nvPr>
         </p:nvSpPr>
         <p:spPr>
           <a:xfrm>
-            <a:off x="508000" y="1066800"/>
-            <a:ext cx="11074400" cy="4876800"/>
+            <a:off x="1219199" y="2670967"/>
+            <a:ext cx="9753601" cy="1516065"/>
           </a:xfrm>
           <a:prstGeom prst="rect">
             <a:avLst/>
@@ -1249,20 +1122,25 @@
           <a:bodyPr/>
           <a:lstStyle>
             <a:lvl1pPr>
-              <a:defRPr sz="6000"/>
+              <a:defRPr b="1">
+                <a:latin typeface="Helvetica Neue"/>
+                <a:ea typeface="Helvetica Neue"/>
+                <a:cs typeface="Helvetica Neue"/>
+                <a:sym typeface="Helvetica Neue"/>
+              </a:defRPr>
             </a:lvl1pPr>
           </a:lstStyle>
           <a:p>
             <a:pPr/>
             <a:r>
-              <a:t>Title Text</a:t>
+              <a:t>頌讚</a:t>
             </a:r>
           </a:p>
         </p:txBody>
       </p:sp>
       <p:sp>
         <p:nvSpPr>
-          <p:cNvPr id="64" name="Slide Number"/>
+          <p:cNvPr id="65" name="Slide Number"/>
           <p:cNvSpPr txBox="1"/>
           <p:nvPr>
             <p:ph type="sldNum" sz="quarter" idx="2"/>
@@ -1293,7 +1171,7 @@
 
 <file path=ppt/slideLayouts/slideLayout7.xml><?xml version="1.0" encoding="utf-8"?>
 <p:sldLayout xmlns:a="http://schemas.openxmlformats.org/drawingml/2006/main" xmlns:r="http://schemas.openxmlformats.org/officeDocument/2006/relationships" xmlns:p="http://schemas.openxmlformats.org/presentationml/2006/main" xmlns:m="http://schemas.openxmlformats.org/officeDocument/2006/math" xmlns:a14="http://schemas.microsoft.com/office/drawing/2010/main" type="tx" showMasterSp="1" showMasterPhAnim="1">
-  <p:cSld name="section">
+  <p:cSld name="Blank">
     <p:spTree>
       <p:nvGrpSpPr>
         <p:cNvPr id="1" name=""/>
@@ -1308,97 +1186,6 @@
           <a:chExt cx="0" cy="0"/>
         </a:xfrm>
       </p:grpSpPr>
-      <p:sp>
-        <p:nvSpPr>
-          <p:cNvPr id="71" name="Body Level One…"/>
-          <p:cNvSpPr txBox="1"/>
-          <p:nvPr>
-            <p:ph type="body" sz="quarter" idx="1"/>
-          </p:nvPr>
-        </p:nvSpPr>
-        <p:spPr>
-          <a:xfrm>
-            <a:off x="914400" y="2362200"/>
-            <a:ext cx="10363200" cy="1323440"/>
-          </a:xfrm>
-          <a:prstGeom prst="rect">
-            <a:avLst/>
-          </a:prstGeom>
-        </p:spPr>
-        <p:txBody>
-          <a:bodyPr anchor="ctr"/>
-          <a:lstStyle>
-            <a:lvl1pPr marL="0" indent="0">
-              <a:spcBef>
-                <a:spcPts val="900"/>
-              </a:spcBef>
-              <a:defRPr sz="8000"/>
-            </a:lvl1pPr>
-            <a:lvl2pPr marL="0" indent="0">
-              <a:spcBef>
-                <a:spcPts val="900"/>
-              </a:spcBef>
-              <a:buSzTx/>
-              <a:buNone/>
-              <a:defRPr sz="8000"/>
-            </a:lvl2pPr>
-            <a:lvl3pPr marL="0" indent="0">
-              <a:spcBef>
-                <a:spcPts val="900"/>
-              </a:spcBef>
-              <a:buSzTx/>
-              <a:buNone/>
-              <a:defRPr sz="8000"/>
-            </a:lvl3pPr>
-            <a:lvl4pPr marL="0" indent="0">
-              <a:spcBef>
-                <a:spcPts val="900"/>
-              </a:spcBef>
-              <a:buSzTx/>
-              <a:buNone/>
-              <a:defRPr sz="8000"/>
-            </a:lvl4pPr>
-            <a:lvl5pPr marL="0" indent="0">
-              <a:spcBef>
-                <a:spcPts val="900"/>
-              </a:spcBef>
-              <a:buSzTx/>
-              <a:buNone/>
-              <a:defRPr sz="8000"/>
-            </a:lvl5pPr>
-          </a:lstStyle>
-          <a:p>
-            <a:pPr/>
-            <a:r>
-              <a:t>Body Level One</a:t>
-            </a:r>
-          </a:p>
-          <a:p>
-            <a:pPr lvl="1"/>
-            <a:r>
-              <a:t>Body Level Two</a:t>
-            </a:r>
-          </a:p>
-          <a:p>
-            <a:pPr lvl="2"/>
-            <a:r>
-              <a:t>Body Level Three</a:t>
-            </a:r>
-          </a:p>
-          <a:p>
-            <a:pPr lvl="3"/>
-            <a:r>
-              <a:t>Body Level Four</a:t>
-            </a:r>
-          </a:p>
-          <a:p>
-            <a:pPr lvl="4"/>
-            <a:r>
-              <a:t>Body Level Five</a:t>
-            </a:r>
-          </a:p>
-        </p:txBody>
-      </p:sp>
       <p:sp>
         <p:nvSpPr>
           <p:cNvPr id="72" name="Slide Number"/>
@@ -1432,7 +1219,7 @@
 
 <file path=ppt/slideLayouts/slideLayout8.xml><?xml version="1.0" encoding="utf-8"?>
 <p:sldLayout xmlns:a="http://schemas.openxmlformats.org/drawingml/2006/main" xmlns:r="http://schemas.openxmlformats.org/officeDocument/2006/relationships" xmlns:p="http://schemas.openxmlformats.org/presentationml/2006/main" xmlns:m="http://schemas.openxmlformats.org/officeDocument/2006/math" xmlns:a14="http://schemas.microsoft.com/office/drawing/2010/main" type="tx" showMasterSp="1" showMasterPhAnim="1">
-  <p:cSld name="Blank">
+  <p:cSld name="Default">
     <p:spTree>
       <p:nvGrpSpPr>
         <p:cNvPr id="1" name=""/>
@@ -1480,7 +1267,7 @@
 
 <file path=ppt/slideLayouts/slideLayout9.xml><?xml version="1.0" encoding="utf-8"?>
 <p:sldLayout xmlns:a="http://schemas.openxmlformats.org/drawingml/2006/main" xmlns:r="http://schemas.openxmlformats.org/officeDocument/2006/relationships" xmlns:p="http://schemas.openxmlformats.org/presentationml/2006/main" xmlns:m="http://schemas.openxmlformats.org/officeDocument/2006/math" xmlns:a14="http://schemas.microsoft.com/office/drawing/2010/main" type="tx" showMasterSp="1" showMasterPhAnim="1">
-  <p:cSld name="Default">
+  <p:cSld name="hymn_title">
     <p:spTree>
       <p:nvGrpSpPr>
         <p:cNvPr id="1" name=""/>
@@ -1497,13 +1284,45 @@
       </p:grpSpPr>
       <p:sp>
         <p:nvSpPr>
-          <p:cNvPr id="86" name="Slide Number"/>
+          <p:cNvPr id="86" name="#23 讚美詩"/>
+          <p:cNvSpPr txBox="1"/>
+          <p:nvPr>
+            <p:ph type="title" hasCustomPrompt="1"/>
+          </p:nvPr>
+        </p:nvSpPr>
+        <p:spPr>
+          <a:xfrm>
+            <a:off x="1158086" y="2743200"/>
+            <a:ext cx="9875521" cy="1371600"/>
+          </a:xfrm>
+          <a:prstGeom prst="rect">
+            <a:avLst/>
+          </a:prstGeom>
+        </p:spPr>
+        <p:txBody>
+          <a:bodyPr/>
+          <a:lstStyle/>
+          <a:p>
+            <a:pPr/>
+            <a:r>
+              <a:t>#23 讚美詩</a:t>
+            </a:r>
+          </a:p>
+        </p:txBody>
+      </p:sp>
+      <p:sp>
+        <p:nvSpPr>
+          <p:cNvPr id="87" name="Slide Number"/>
           <p:cNvSpPr txBox="1"/>
           <p:nvPr>
             <p:ph type="sldNum" sz="quarter" idx="2"/>
           </p:nvPr>
         </p:nvSpPr>
         <p:spPr>
+          <a:xfrm>
+            <a:off x="5892800" y="6172200"/>
+            <a:ext cx="2844800" cy="368301"/>
+          </a:xfrm>
           <a:prstGeom prst="rect">
             <a:avLst/>
           </a:prstGeom>
@@ -1532,7 +1351,7 @@
     <p:bg>
       <p:bgPr>
         <a:solidFill>
-          <a:srgbClr val="003399"/>
+          <a:srgbClr val="0B0F14"/>
         </a:solidFill>
       </p:bgPr>
     </p:bg>
@@ -1558,10 +1377,10 @@
         </p:nvGrpSpPr>
         <p:grpSpPr>
           <a:xfrm>
-            <a:off x="3657439" y="2128839"/>
-            <a:ext cx="8523455" cy="4721230"/>
-            <a:chOff x="-1" y="0"/>
-            <a:chExt cx="8523453" cy="4721229"/>
+            <a:off x="3657437" y="2128837"/>
+            <a:ext cx="8523459" cy="4721233"/>
+            <a:chOff x="-2" y="-2"/>
+            <a:chExt cx="8523458" cy="4721232"/>
           </a:xfrm>
         </p:grpSpPr>
         <p:grpSp>
@@ -1572,10 +1391,10 @@
           </p:nvGrpSpPr>
           <p:grpSpPr>
             <a:xfrm>
-              <a:off x="-2" y="1411287"/>
-              <a:ext cx="8523454" cy="3309942"/>
-              <a:chOff x="0" y="0"/>
-              <a:chExt cx="8523453" cy="3309941"/>
+              <a:off x="-3" y="1411286"/>
+              <a:ext cx="8523459" cy="3309944"/>
+              <a:chOff x="-1" y="-1"/>
+              <a:chExt cx="8523457" cy="3309943"/>
             </a:xfrm>
           </p:grpSpPr>
           <p:sp>
@@ -1586,8 +1405,8 @@
             </p:nvSpPr>
             <p:spPr>
               <a:xfrm>
-                <a:off x="-1" y="657225"/>
-                <a:ext cx="6099974" cy="2652716"/>
+                <a:off x="-2" y="657225"/>
+                <a:ext cx="6099979" cy="2652718"/>
               </a:xfrm>
               <a:custGeom>
                 <a:avLst/>
@@ -1908,10 +1727,10 @@
               <a:gradFill flip="none" rotWithShape="1">
                 <a:gsLst>
                   <a:gs pos="0">
-                    <a:srgbClr val="003399"/>
+                    <a:srgbClr val="0B0F14"/>
                   </a:gs>
                   <a:gs pos="100000">
-                    <a:srgbClr val="002E8B"/>
+                    <a:srgbClr val="132033"/>
                   </a:gs>
                 </a:gsLst>
                 <a:lin ang="0" scaled="0"/>
@@ -1931,7 +1750,7 @@
                 <a:pPr>
                   <a:defRPr>
                     <a:solidFill>
-                      <a:srgbClr val="FFFFFF"/>
+                      <a:srgbClr val="F8FAFC"/>
                     </a:solidFill>
                     <a:latin typeface="Garamond"/>
                     <a:ea typeface="Garamond"/>
@@ -1950,8 +1769,8 @@
             </p:nvSpPr>
             <p:spPr>
               <a:xfrm>
-                <a:off x="5168678" y="700087"/>
-                <a:ext cx="2664771" cy="1287466"/>
+                <a:off x="5168679" y="700087"/>
+                <a:ext cx="2664774" cy="1287467"/>
               </a:xfrm>
               <a:custGeom>
                 <a:avLst/>
@@ -2149,10 +1968,10 @@
               <a:gradFill flip="none" rotWithShape="1">
                 <a:gsLst>
                   <a:gs pos="0">
-                    <a:srgbClr val="003399"/>
+                    <a:srgbClr val="0B0F14"/>
                   </a:gs>
                   <a:gs pos="100000">
-                    <a:srgbClr val="002E8B"/>
+                    <a:srgbClr val="132033"/>
                   </a:gs>
                 </a:gsLst>
                 <a:lin ang="2700000" scaled="0"/>
@@ -2172,7 +1991,7 @@
                 <a:pPr>
                   <a:defRPr>
                     <a:solidFill>
-                      <a:srgbClr val="FFFFFF"/>
+                      <a:srgbClr val="F8FAFC"/>
                     </a:solidFill>
                     <a:latin typeface="Garamond"/>
                     <a:ea typeface="Garamond"/>
@@ -2192,7 +2011,7 @@
             <p:spPr>
               <a:xfrm>
                 <a:off x="2480627" y="1771651"/>
-                <a:ext cx="6030126" cy="1538290"/>
+                <a:ext cx="6030130" cy="1538292"/>
               </a:xfrm>
               <a:custGeom>
                 <a:avLst/>
@@ -2339,10 +2158,10 @@
               <a:gradFill flip="none" rotWithShape="1">
                 <a:gsLst>
                   <a:gs pos="0">
-                    <a:srgbClr val="002A7D"/>
+                    <a:srgbClr val="111827"/>
                   </a:gs>
                   <a:gs pos="100000">
-                    <a:srgbClr val="003399"/>
+                    <a:srgbClr val="0B0F14"/>
                   </a:gs>
                 </a:gsLst>
                 <a:lin ang="5400000" scaled="0"/>
@@ -2362,7 +2181,7 @@
                 <a:pPr>
                   <a:defRPr>
                     <a:solidFill>
-                      <a:srgbClr val="FFFFFF"/>
+                      <a:srgbClr val="F8FAFC"/>
                     </a:solidFill>
                     <a:latin typeface="Garamond"/>
                     <a:ea typeface="Garamond"/>
@@ -2381,8 +2200,8 @@
             </p:nvSpPr>
             <p:spPr>
               <a:xfrm>
-                <a:off x="2158906" y="-1"/>
-                <a:ext cx="6364548" cy="3309942"/>
+                <a:off x="2158907" y="-2"/>
+                <a:ext cx="6364550" cy="3309945"/>
               </a:xfrm>
               <a:custGeom>
                 <a:avLst/>
@@ -2743,7 +2562,7 @@
                 </a:pathLst>
               </a:custGeom>
               <a:solidFill>
-                <a:srgbClr val="003399"/>
+                <a:srgbClr val="0B0F14"/>
               </a:solidFill>
               <a:ln w="12700" cap="flat">
                 <a:noFill/>
@@ -2760,7 +2579,7 @@
                 <a:pPr>
                   <a:defRPr>
                     <a:solidFill>
-                      <a:srgbClr val="FFFFFF"/>
+                      <a:srgbClr val="F8FAFC"/>
                     </a:solidFill>
                     <a:latin typeface="Garamond"/>
                     <a:ea typeface="Garamond"/>
@@ -2779,8 +2598,8 @@
             </p:nvSpPr>
             <p:spPr>
               <a:xfrm>
-                <a:off x="5869264" y="138112"/>
-                <a:ext cx="2641489" cy="855665"/>
+                <a:off x="5869267" y="138112"/>
+                <a:ext cx="2641491" cy="855666"/>
               </a:xfrm>
               <a:custGeom>
                 <a:avLst/>
@@ -2936,10 +2755,10 @@
               <a:gradFill flip="none" rotWithShape="1">
                 <a:gsLst>
                   <a:gs pos="0">
-                    <a:srgbClr val="002D86"/>
+                    <a:srgbClr val="111C2A"/>
                   </a:gs>
                   <a:gs pos="100000">
-                    <a:srgbClr val="003399"/>
+                    <a:srgbClr val="0B0F14"/>
                   </a:gs>
                 </a:gsLst>
                 <a:lin ang="2700000" scaled="0"/>
@@ -2959,7 +2778,7 @@
                 <a:pPr>
                   <a:defRPr>
                     <a:solidFill>
-                      <a:srgbClr val="FFFFFF"/>
+                      <a:srgbClr val="F8FAFC"/>
                     </a:solidFill>
                     <a:latin typeface="Garamond"/>
                     <a:ea typeface="Garamond"/>
@@ -2979,8 +2798,8 @@
           </p:nvSpPr>
           <p:spPr>
             <a:xfrm>
-              <a:off x="3373820" y="-2"/>
-              <a:ext cx="3862753" cy="2439991"/>
+              <a:off x="3373820" y="-3"/>
+              <a:ext cx="3862755" cy="2439993"/>
             </a:xfrm>
             <a:custGeom>
               <a:avLst/>
@@ -3232,6 +3051,9 @@
                     <a:pt x="1844" y="20953"/>
                   </a:lnTo>
                   <a:lnTo>
+                    <a:pt x="2455" y="21277"/>
+                  </a:lnTo>
+                  <a:lnTo>
                     <a:pt x="3067" y="21600"/>
                   </a:lnTo>
                   <a:lnTo>
@@ -3289,10 +3111,10 @@
             <a:gradFill flip="none" rotWithShape="1">
               <a:gsLst>
                 <a:gs pos="0">
-                  <a:srgbClr val="002B82"/>
+                  <a:srgbClr val="0F172A"/>
                 </a:gs>
                 <a:gs pos="100000">
-                  <a:srgbClr val="003399"/>
+                  <a:srgbClr val="0B0F14"/>
                 </a:gs>
               </a:gsLst>
               <a:lin ang="2700000" scaled="0"/>
@@ -3312,7 +3134,7 @@
               <a:pPr>
                 <a:defRPr>
                   <a:solidFill>
-                    <a:srgbClr val="FFFFFF"/>
+                    <a:srgbClr val="F8FAFC"/>
                   </a:solidFill>
                   <a:latin typeface="Garamond"/>
                   <a:ea typeface="Garamond"/>
@@ -3324,12 +3146,41 @@
           </p:txBody>
         </p:sp>
       </p:grpSp>
+      <p:pic>
+        <p:nvPicPr>
+          <p:cNvPr id="10" name="MVCCC Logo" descr="MVCCC Logo"/>
+          <p:cNvPicPr>
+            <a:picLocks noChangeAspect="1"/>
+          </p:cNvPicPr>
+          <p:nvPr/>
+        </p:nvPicPr>
+        <p:blipFill>
+          <a:blip r:embed="rId2">
+            <a:extLst/>
+          </a:blip>
+          <a:stretch>
+            <a:fillRect/>
+          </a:stretch>
+        </p:blipFill>
+        <p:spPr>
+          <a:xfrm>
+            <a:off x="9814255" y="5810865"/>
+            <a:ext cx="2011681" cy="681376"/>
+          </a:xfrm>
+          <a:prstGeom prst="rect">
+            <a:avLst/>
+          </a:prstGeom>
+          <a:ln w="12700">
+            <a:miter lim="400000"/>
+          </a:ln>
+        </p:spPr>
+      </p:pic>
       <p:sp>
         <p:nvSpPr>
-          <p:cNvPr id="10" name="Title Text"/>
+          <p:cNvPr id="11" name="約翰福音 3:16"/>
           <p:cNvSpPr txBox="1"/>
           <p:nvPr>
-            <p:ph type="title"/>
+            <p:ph type="title" hasCustomPrompt="1"/>
           </p:nvPr>
         </p:nvSpPr>
         <p:spPr>
@@ -3357,17 +3208,17 @@
           <a:p>
             <a:pPr/>
             <a:r>
-              <a:t>Title Text</a:t>
+              <a:t>約翰福音 3:16</a:t>
             </a:r>
           </a:p>
         </p:txBody>
       </p:sp>
       <p:sp>
         <p:nvSpPr>
-          <p:cNvPr id="11" name="Body Level One…"/>
+          <p:cNvPr id="12" name="Body Level One…"/>
           <p:cNvSpPr txBox="1"/>
           <p:nvPr>
-            <p:ph type="body" idx="1"/>
+            <p:ph type="body" idx="1" hasCustomPrompt="1"/>
           </p:nvPr>
         </p:nvSpPr>
         <p:spPr>
@@ -3395,38 +3246,38 @@
           <a:p>
             <a:pPr/>
             <a:r>
-              <a:t>Body Level One</a:t>
+              <a:t>16 神愛世人，甚至將他的獨生子賜給他們，叫一切信他的不至滅亡反得永生。</a:t>
             </a:r>
           </a:p>
           <a:p>
             <a:pPr lvl="1"/>
             <a:r>
-              <a:t>Body Level Two</a:t>
+              <a:t/>
             </a:r>
           </a:p>
           <a:p>
             <a:pPr lvl="2"/>
             <a:r>
-              <a:t>Body Level Three</a:t>
+              <a:t/>
             </a:r>
           </a:p>
           <a:p>
             <a:pPr lvl="3"/>
             <a:r>
-              <a:t>Body Level Four</a:t>
+              <a:t/>
             </a:r>
           </a:p>
           <a:p>
             <a:pPr lvl="4"/>
             <a:r>
-              <a:t>Body Level Five</a:t>
+              <a:t/>
             </a:r>
           </a:p>
         </p:txBody>
       </p:sp>
       <p:sp>
         <p:nvSpPr>
-          <p:cNvPr id="12" name="Slide Number"/>
+          <p:cNvPr id="13" name="Slide Number"/>
           <p:cNvSpPr txBox="1"/>
           <p:nvPr>
             <p:ph type="sldNum" sz="quarter" idx="2"/>
@@ -3434,8 +3285,8 @@
         </p:nvSpPr>
         <p:spPr>
           <a:xfrm>
-            <a:off x="8490587" y="6228081"/>
-            <a:ext cx="247014" cy="256539"/>
+            <a:off x="8490590" y="6228082"/>
+            <a:ext cx="247012" cy="256537"/>
           </a:xfrm>
           <a:prstGeom prst="rect">
             <a:avLst/>
@@ -3452,7 +3303,7 @@
             <a:lvl1pPr algn="r">
               <a:defRPr sz="1200">
                 <a:solidFill>
-                  <a:srgbClr val="FFFFFF"/>
+                  <a:srgbClr val="F8FAFC"/>
                 </a:solidFill>
                 <a:latin typeface="Garamond"/>
                 <a:ea typeface="Garamond"/>
@@ -3471,15 +3322,16 @@
   </p:cSld>
   <p:clrMap bg1="lt1" tx1="dk1" bg2="lt2" tx2="dk2" accent1="accent1" accent2="accent2" accent3="accent3" accent4="accent4" accent5="accent5" accent6="accent6" hlink="hlink" folHlink="folHlink"/>
   <p:sldLayoutIdLst>
-    <p:sldLayoutId id="2147483649" r:id="rId2"/>
-    <p:sldLayoutId id="2147483650" r:id="rId3"/>
-    <p:sldLayoutId id="2147483651" r:id="rId4"/>
-    <p:sldLayoutId id="2147483652" r:id="rId5"/>
-    <p:sldLayoutId id="2147483653" r:id="rId6"/>
-    <p:sldLayoutId id="2147483654" r:id="rId7"/>
-    <p:sldLayoutId id="2147483655" r:id="rId8"/>
-    <p:sldLayoutId id="2147483656" r:id="rId9"/>
-    <p:sldLayoutId id="2147483657" r:id="rId10"/>
+    <p:sldLayoutId id="2147483649" r:id="rId3"/>
+    <p:sldLayoutId id="2147483650" r:id="rId4"/>
+    <p:sldLayoutId id="2147483651" r:id="rId5"/>
+    <p:sldLayoutId id="2147483652" r:id="rId6"/>
+    <p:sldLayoutId id="2147483653" r:id="rId7"/>
+    <p:sldLayoutId id="2147483654" r:id="rId8"/>
+    <p:sldLayoutId id="2147483655" r:id="rId9"/>
+    <p:sldLayoutId id="2147483656" r:id="rId10"/>
+    <p:sldLayoutId id="2147483657" r:id="rId11"/>
+    <p:sldLayoutId id="2147483658" r:id="rId12"/>
   </p:sldLayoutIdLst>
   <p:transition xmlns:p14="http://schemas.microsoft.com/office/powerpoint/2010/main" spd="med" advClick="1"/>
   <p:txStyles>
@@ -3500,22 +3352,19 @@
         <a:buNone/>
         <a:tabLst/>
         <a:defRPr b="0" baseline="0" cap="none" i="0" spc="0" strike="noStrike" sz="5400" u="none">
-          <a:ln>
-            <a:noFill/>
-          </a:ln>
           <a:solidFill>
-            <a:srgbClr val="FFFF00"/>
+            <a:schemeClr val="accent6"/>
           </a:solidFill>
           <a:effectLst>
             <a:outerShdw sx="100000" sy="100000" kx="0" ky="0" algn="b" rotWithShape="0" blurRad="38100" dist="38100" dir="2700000">
-              <a:srgbClr val="000000"/>
+              <a:srgbClr val="0B0F14"/>
             </a:outerShdw>
           </a:effectLst>
           <a:uFillTx/>
-          <a:latin typeface="DFPWeiBei-B5-AZ"/>
-          <a:ea typeface="DFPWeiBei-B5-AZ"/>
-          <a:cs typeface="DFPWeiBei-B5-AZ"/>
-          <a:sym typeface="DFPWeiBei-B5-AZ"/>
+          <a:latin typeface="PingFang TC Semibold"/>
+          <a:ea typeface="PingFang TC Semibold"/>
+          <a:cs typeface="PingFang TC Semibold"/>
+          <a:sym typeface="PingFang TC Semibold"/>
         </a:defRPr>
       </a:lvl1pPr>
       <a:lvl2pPr marL="0" marR="0" indent="0" algn="ctr" defTabSz="914400" rtl="0" latinLnBrk="0">
@@ -3534,22 +3383,19 @@
         <a:buNone/>
         <a:tabLst/>
         <a:defRPr b="0" baseline="0" cap="none" i="0" spc="0" strike="noStrike" sz="5400" u="none">
-          <a:ln>
-            <a:noFill/>
-          </a:ln>
           <a:solidFill>
-            <a:srgbClr val="FFFF00"/>
+            <a:schemeClr val="accent6"/>
           </a:solidFill>
           <a:effectLst>
             <a:outerShdw sx="100000" sy="100000" kx="0" ky="0" algn="b" rotWithShape="0" blurRad="38100" dist="38100" dir="2700000">
-              <a:srgbClr val="000000"/>
+              <a:srgbClr val="0B0F14"/>
             </a:outerShdw>
           </a:effectLst>
           <a:uFillTx/>
-          <a:latin typeface="DFPWeiBei-B5-AZ"/>
-          <a:ea typeface="DFPWeiBei-B5-AZ"/>
-          <a:cs typeface="DFPWeiBei-B5-AZ"/>
-          <a:sym typeface="DFPWeiBei-B5-AZ"/>
+          <a:latin typeface="PingFang TC Semibold"/>
+          <a:ea typeface="PingFang TC Semibold"/>
+          <a:cs typeface="PingFang TC Semibold"/>
+          <a:sym typeface="PingFang TC Semibold"/>
         </a:defRPr>
       </a:lvl2pPr>
       <a:lvl3pPr marL="0" marR="0" indent="0" algn="ctr" defTabSz="914400" rtl="0" latinLnBrk="0">
@@ -3568,22 +3414,19 @@
         <a:buNone/>
         <a:tabLst/>
         <a:defRPr b="0" baseline="0" cap="none" i="0" spc="0" strike="noStrike" sz="5400" u="none">
-          <a:ln>
-            <a:noFill/>
-          </a:ln>
           <a:solidFill>
-            <a:srgbClr val="FFFF00"/>
+            <a:schemeClr val="accent6"/>
           </a:solidFill>
           <a:effectLst>
             <a:outerShdw sx="100000" sy="100000" kx="0" ky="0" algn="b" rotWithShape="0" blurRad="38100" dist="38100" dir="2700000">
-              <a:srgbClr val="000000"/>
+              <a:srgbClr val="0B0F14"/>
             </a:outerShdw>
           </a:effectLst>
           <a:uFillTx/>
-          <a:latin typeface="DFPWeiBei-B5-AZ"/>
-          <a:ea typeface="DFPWeiBei-B5-AZ"/>
-          <a:cs typeface="DFPWeiBei-B5-AZ"/>
-          <a:sym typeface="DFPWeiBei-B5-AZ"/>
+          <a:latin typeface="PingFang TC Semibold"/>
+          <a:ea typeface="PingFang TC Semibold"/>
+          <a:cs typeface="PingFang TC Semibold"/>
+          <a:sym typeface="PingFang TC Semibold"/>
         </a:defRPr>
       </a:lvl3pPr>
       <a:lvl4pPr marL="0" marR="0" indent="0" algn="ctr" defTabSz="914400" rtl="0" latinLnBrk="0">
@@ -3602,22 +3445,19 @@
         <a:buNone/>
         <a:tabLst/>
         <a:defRPr b="0" baseline="0" cap="none" i="0" spc="0" strike="noStrike" sz="5400" u="none">
-          <a:ln>
-            <a:noFill/>
-          </a:ln>
           <a:solidFill>
-            <a:srgbClr val="FFFF00"/>
+            <a:schemeClr val="accent6"/>
           </a:solidFill>
           <a:effectLst>
             <a:outerShdw sx="100000" sy="100000" kx="0" ky="0" algn="b" rotWithShape="0" blurRad="38100" dist="38100" dir="2700000">
-              <a:srgbClr val="000000"/>
+              <a:srgbClr val="0B0F14"/>
             </a:outerShdw>
           </a:effectLst>
           <a:uFillTx/>
-          <a:latin typeface="DFPWeiBei-B5-AZ"/>
-          <a:ea typeface="DFPWeiBei-B5-AZ"/>
-          <a:cs typeface="DFPWeiBei-B5-AZ"/>
-          <a:sym typeface="DFPWeiBei-B5-AZ"/>
+          <a:latin typeface="PingFang TC Semibold"/>
+          <a:ea typeface="PingFang TC Semibold"/>
+          <a:cs typeface="PingFang TC Semibold"/>
+          <a:sym typeface="PingFang TC Semibold"/>
         </a:defRPr>
       </a:lvl4pPr>
       <a:lvl5pPr marL="0" marR="0" indent="0" algn="ctr" defTabSz="914400" rtl="0" latinLnBrk="0">
@@ -3636,22 +3476,19 @@
         <a:buNone/>
         <a:tabLst/>
         <a:defRPr b="0" baseline="0" cap="none" i="0" spc="0" strike="noStrike" sz="5400" u="none">
-          <a:ln>
-            <a:noFill/>
-          </a:ln>
           <a:solidFill>
-            <a:srgbClr val="FFFF00"/>
+            <a:schemeClr val="accent6"/>
           </a:solidFill>
           <a:effectLst>
             <a:outerShdw sx="100000" sy="100000" kx="0" ky="0" algn="b" rotWithShape="0" blurRad="38100" dist="38100" dir="2700000">
-              <a:srgbClr val="000000"/>
+              <a:srgbClr val="0B0F14"/>
             </a:outerShdw>
           </a:effectLst>
           <a:uFillTx/>
-          <a:latin typeface="DFPWeiBei-B5-AZ"/>
-          <a:ea typeface="DFPWeiBei-B5-AZ"/>
-          <a:cs typeface="DFPWeiBei-B5-AZ"/>
-          <a:sym typeface="DFPWeiBei-B5-AZ"/>
+          <a:latin typeface="PingFang TC Semibold"/>
+          <a:ea typeface="PingFang TC Semibold"/>
+          <a:cs typeface="PingFang TC Semibold"/>
+          <a:sym typeface="PingFang TC Semibold"/>
         </a:defRPr>
       </a:lvl5pPr>
       <a:lvl6pPr marL="0" marR="0" indent="0" algn="ctr" defTabSz="914400" rtl="0" latinLnBrk="0">
@@ -3670,22 +3507,19 @@
         <a:buNone/>
         <a:tabLst/>
         <a:defRPr b="0" baseline="0" cap="none" i="0" spc="0" strike="noStrike" sz="5400" u="none">
-          <a:ln>
-            <a:noFill/>
-          </a:ln>
           <a:solidFill>
-            <a:srgbClr val="FFFF00"/>
+            <a:schemeClr val="accent6"/>
           </a:solidFill>
           <a:effectLst>
             <a:outerShdw sx="100000" sy="100000" kx="0" ky="0" algn="b" rotWithShape="0" blurRad="38100" dist="38100" dir="2700000">
-              <a:srgbClr val="000000"/>
+              <a:srgbClr val="0B0F14"/>
             </a:outerShdw>
           </a:effectLst>
           <a:uFillTx/>
-          <a:latin typeface="DFPWeiBei-B5-AZ"/>
-          <a:ea typeface="DFPWeiBei-B5-AZ"/>
-          <a:cs typeface="DFPWeiBei-B5-AZ"/>
-          <a:sym typeface="DFPWeiBei-B5-AZ"/>
+          <a:latin typeface="PingFang TC Semibold"/>
+          <a:ea typeface="PingFang TC Semibold"/>
+          <a:cs typeface="PingFang TC Semibold"/>
+          <a:sym typeface="PingFang TC Semibold"/>
         </a:defRPr>
       </a:lvl6pPr>
       <a:lvl7pPr marL="0" marR="0" indent="0" algn="ctr" defTabSz="914400" rtl="0" latinLnBrk="0">
@@ -3704,22 +3538,19 @@
         <a:buNone/>
         <a:tabLst/>
         <a:defRPr b="0" baseline="0" cap="none" i="0" spc="0" strike="noStrike" sz="5400" u="none">
-          <a:ln>
-            <a:noFill/>
-          </a:ln>
           <a:solidFill>
-            <a:srgbClr val="FFFF00"/>
+            <a:schemeClr val="accent6"/>
           </a:solidFill>
           <a:effectLst>
             <a:outerShdw sx="100000" sy="100000" kx="0" ky="0" algn="b" rotWithShape="0" blurRad="38100" dist="38100" dir="2700000">
-              <a:srgbClr val="000000"/>
+              <a:srgbClr val="0B0F14"/>
             </a:outerShdw>
           </a:effectLst>
           <a:uFillTx/>
-          <a:latin typeface="DFPWeiBei-B5-AZ"/>
-          <a:ea typeface="DFPWeiBei-B5-AZ"/>
-          <a:cs typeface="DFPWeiBei-B5-AZ"/>
-          <a:sym typeface="DFPWeiBei-B5-AZ"/>
+          <a:latin typeface="PingFang TC Semibold"/>
+          <a:ea typeface="PingFang TC Semibold"/>
+          <a:cs typeface="PingFang TC Semibold"/>
+          <a:sym typeface="PingFang TC Semibold"/>
         </a:defRPr>
       </a:lvl7pPr>
       <a:lvl8pPr marL="0" marR="0" indent="0" algn="ctr" defTabSz="914400" rtl="0" latinLnBrk="0">
@@ -3738,22 +3569,19 @@
         <a:buNone/>
         <a:tabLst/>
         <a:defRPr b="0" baseline="0" cap="none" i="0" spc="0" strike="noStrike" sz="5400" u="none">
-          <a:ln>
-            <a:noFill/>
-          </a:ln>
           <a:solidFill>
-            <a:srgbClr val="FFFF00"/>
+            <a:schemeClr val="accent6"/>
           </a:solidFill>
           <a:effectLst>
             <a:outerShdw sx="100000" sy="100000" kx="0" ky="0" algn="b" rotWithShape="0" blurRad="38100" dist="38100" dir="2700000">
-              <a:srgbClr val="000000"/>
+              <a:srgbClr val="0B0F14"/>
             </a:outerShdw>
           </a:effectLst>
           <a:uFillTx/>
-          <a:latin typeface="DFPWeiBei-B5-AZ"/>
-          <a:ea typeface="DFPWeiBei-B5-AZ"/>
-          <a:cs typeface="DFPWeiBei-B5-AZ"/>
-          <a:sym typeface="DFPWeiBei-B5-AZ"/>
+          <a:latin typeface="PingFang TC Semibold"/>
+          <a:ea typeface="PingFang TC Semibold"/>
+          <a:cs typeface="PingFang TC Semibold"/>
+          <a:sym typeface="PingFang TC Semibold"/>
         </a:defRPr>
       </a:lvl8pPr>
       <a:lvl9pPr marL="0" marR="0" indent="0" algn="ctr" defTabSz="914400" rtl="0" latinLnBrk="0">
@@ -3772,32 +3600,29 @@
         <a:buNone/>
         <a:tabLst/>
         <a:defRPr b="0" baseline="0" cap="none" i="0" spc="0" strike="noStrike" sz="5400" u="none">
-          <a:ln>
-            <a:noFill/>
-          </a:ln>
           <a:solidFill>
-            <a:srgbClr val="FFFF00"/>
+            <a:schemeClr val="accent6"/>
           </a:solidFill>
           <a:effectLst>
             <a:outerShdw sx="100000" sy="100000" kx="0" ky="0" algn="b" rotWithShape="0" blurRad="38100" dist="38100" dir="2700000">
-              <a:srgbClr val="000000"/>
+              <a:srgbClr val="0B0F14"/>
             </a:outerShdw>
           </a:effectLst>
           <a:uFillTx/>
-          <a:latin typeface="DFPWeiBei-B5-AZ"/>
-          <a:ea typeface="DFPWeiBei-B5-AZ"/>
-          <a:cs typeface="DFPWeiBei-B5-AZ"/>
-          <a:sym typeface="DFPWeiBei-B5-AZ"/>
+          <a:latin typeface="PingFang TC Semibold"/>
+          <a:ea typeface="PingFang TC Semibold"/>
+          <a:cs typeface="PingFang TC Semibold"/>
+          <a:sym typeface="PingFang TC Semibold"/>
         </a:defRPr>
       </a:lvl9pPr>
     </p:titleStyle>
     <p:bodyStyle>
-      <a:lvl1pPr marL="342900" marR="0" indent="-342900" algn="ctr" defTabSz="914400" rtl="0" latinLnBrk="0">
+      <a:lvl1pPr marL="0" marR="0" indent="0" algn="l" defTabSz="914400" rtl="0" latinLnBrk="0">
         <a:lnSpc>
           <a:spcPct val="100000"/>
         </a:lnSpc>
         <a:spcBef>
-          <a:spcPts val="600"/>
+          <a:spcPts val="500"/>
         </a:spcBef>
         <a:spcAft>
           <a:spcPts val="0"/>
@@ -3807,31 +3632,28 @@
         <a:buFontTx/>
         <a:buNone/>
         <a:tabLst/>
-        <a:defRPr b="0" baseline="0" cap="none" i="0" spc="0" strike="noStrike" sz="5400" u="none">
-          <a:ln>
-            <a:noFill/>
-          </a:ln>
+        <a:defRPr b="0" baseline="0" cap="none" i="0" spc="0" strike="noStrike" sz="4800" u="none">
           <a:solidFill>
-            <a:srgbClr val="FFFF00"/>
+            <a:schemeClr val="accent6"/>
           </a:solidFill>
           <a:effectLst>
             <a:outerShdw sx="100000" sy="100000" kx="0" ky="0" algn="b" rotWithShape="0" blurRad="38100" dist="38100" dir="2700000">
-              <a:srgbClr val="000000"/>
+              <a:srgbClr val="0B0F14"/>
             </a:outerShdw>
           </a:effectLst>
           <a:uFillTx/>
-          <a:latin typeface="DFPWeiBei-B5-AZ"/>
-          <a:ea typeface="DFPWeiBei-B5-AZ"/>
-          <a:cs typeface="DFPWeiBei-B5-AZ"/>
-          <a:sym typeface="DFPWeiBei-B5-AZ"/>
+          <a:latin typeface="Helvetica Neue"/>
+          <a:ea typeface="Helvetica Neue"/>
+          <a:cs typeface="Helvetica Neue"/>
+          <a:sym typeface="Helvetica Neue"/>
         </a:defRPr>
       </a:lvl1pPr>
-      <a:lvl2pPr marL="1008289" marR="0" indent="-551088" algn="ctr" defTabSz="914400" rtl="0" latinLnBrk="0">
+      <a:lvl2pPr marL="947057" marR="0" indent="-489857" algn="l" defTabSz="914400" rtl="0" latinLnBrk="0">
         <a:lnSpc>
           <a:spcPct val="100000"/>
         </a:lnSpc>
         <a:spcBef>
-          <a:spcPts val="600"/>
+          <a:spcPts val="500"/>
         </a:spcBef>
         <a:spcAft>
           <a:spcPts val="0"/>
@@ -3841,31 +3663,28 @@
         <a:buFontTx/>
         <a:buChar char="■"/>
         <a:tabLst/>
-        <a:defRPr b="0" baseline="0" cap="none" i="0" spc="0" strike="noStrike" sz="5400" u="none">
-          <a:ln>
-            <a:noFill/>
-          </a:ln>
+        <a:defRPr b="0" baseline="0" cap="none" i="0" spc="0" strike="noStrike" sz="4800" u="none">
           <a:solidFill>
-            <a:srgbClr val="FFFF00"/>
+            <a:schemeClr val="accent6"/>
           </a:solidFill>
           <a:effectLst>
             <a:outerShdw sx="100000" sy="100000" kx="0" ky="0" algn="b" rotWithShape="0" blurRad="38100" dist="38100" dir="2700000">
-              <a:srgbClr val="000000"/>
+              <a:srgbClr val="0B0F14"/>
             </a:outerShdw>
           </a:effectLst>
           <a:uFillTx/>
-          <a:latin typeface="DFPWeiBei-B5-AZ"/>
-          <a:ea typeface="DFPWeiBei-B5-AZ"/>
-          <a:cs typeface="DFPWeiBei-B5-AZ"/>
-          <a:sym typeface="DFPWeiBei-B5-AZ"/>
+          <a:latin typeface="Helvetica Neue"/>
+          <a:ea typeface="Helvetica Neue"/>
+          <a:cs typeface="Helvetica Neue"/>
+          <a:sym typeface="Helvetica Neue"/>
         </a:defRPr>
       </a:lvl2pPr>
-      <a:lvl3pPr marL="1428750" marR="0" indent="-514350" algn="ctr" defTabSz="914400" rtl="0" latinLnBrk="0">
+      <a:lvl3pPr marL="1371600" marR="0" indent="-457200" algn="l" defTabSz="914400" rtl="0" latinLnBrk="0">
         <a:lnSpc>
           <a:spcPct val="100000"/>
         </a:lnSpc>
         <a:spcBef>
-          <a:spcPts val="600"/>
+          <a:spcPts val="500"/>
         </a:spcBef>
         <a:spcAft>
           <a:spcPts val="0"/>
@@ -3875,31 +3694,28 @@
         <a:buFontTx/>
         <a:buChar char="■"/>
         <a:tabLst/>
-        <a:defRPr b="0" baseline="0" cap="none" i="0" spc="0" strike="noStrike" sz="5400" u="none">
-          <a:ln>
-            <a:noFill/>
-          </a:ln>
+        <a:defRPr b="0" baseline="0" cap="none" i="0" spc="0" strike="noStrike" sz="4800" u="none">
           <a:solidFill>
-            <a:srgbClr val="FFFF00"/>
+            <a:schemeClr val="accent6"/>
           </a:solidFill>
           <a:effectLst>
             <a:outerShdw sx="100000" sy="100000" kx="0" ky="0" algn="b" rotWithShape="0" blurRad="38100" dist="38100" dir="2700000">
-              <a:srgbClr val="000000"/>
+              <a:srgbClr val="0B0F14"/>
             </a:outerShdw>
           </a:effectLst>
           <a:uFillTx/>
-          <a:latin typeface="DFPWeiBei-B5-AZ"/>
-          <a:ea typeface="DFPWeiBei-B5-AZ"/>
-          <a:cs typeface="DFPWeiBei-B5-AZ"/>
-          <a:sym typeface="DFPWeiBei-B5-AZ"/>
+          <a:latin typeface="Helvetica Neue"/>
+          <a:ea typeface="Helvetica Neue"/>
+          <a:cs typeface="Helvetica Neue"/>
+          <a:sym typeface="Helvetica Neue"/>
         </a:defRPr>
       </a:lvl3pPr>
-      <a:lvl4pPr marL="1988820" marR="0" indent="-617219" algn="ctr" defTabSz="914400" rtl="0" latinLnBrk="0">
+      <a:lvl4pPr marL="1920238" marR="0" indent="-548638" algn="l" defTabSz="914400" rtl="0" latinLnBrk="0">
         <a:lnSpc>
           <a:spcPct val="100000"/>
         </a:lnSpc>
         <a:spcBef>
-          <a:spcPts val="600"/>
+          <a:spcPts val="500"/>
         </a:spcBef>
         <a:spcAft>
           <a:spcPts val="0"/>
@@ -3909,31 +3725,28 @@
         <a:buFontTx/>
         <a:buChar char="■"/>
         <a:tabLst/>
-        <a:defRPr b="0" baseline="0" cap="none" i="0" spc="0" strike="noStrike" sz="5400" u="none">
-          <a:ln>
-            <a:noFill/>
-          </a:ln>
+        <a:defRPr b="0" baseline="0" cap="none" i="0" spc="0" strike="noStrike" sz="4800" u="none">
           <a:solidFill>
-            <a:srgbClr val="FFFF00"/>
+            <a:schemeClr val="accent6"/>
           </a:solidFill>
           <a:effectLst>
             <a:outerShdw sx="100000" sy="100000" kx="0" ky="0" algn="b" rotWithShape="0" blurRad="38100" dist="38100" dir="2700000">
-              <a:srgbClr val="000000"/>
+              <a:srgbClr val="0B0F14"/>
             </a:outerShdw>
           </a:effectLst>
           <a:uFillTx/>
-          <a:latin typeface="DFPWeiBei-B5-AZ"/>
-          <a:ea typeface="DFPWeiBei-B5-AZ"/>
-          <a:cs typeface="DFPWeiBei-B5-AZ"/>
-          <a:sym typeface="DFPWeiBei-B5-AZ"/>
+          <a:latin typeface="Helvetica Neue"/>
+          <a:ea typeface="Helvetica Neue"/>
+          <a:cs typeface="Helvetica Neue"/>
+          <a:sym typeface="Helvetica Neue"/>
         </a:defRPr>
       </a:lvl4pPr>
-      <a:lvl5pPr marL="2446020" marR="0" indent="-617220" algn="ctr" defTabSz="914400" rtl="0" latinLnBrk="0">
+      <a:lvl5pPr marL="2377438" marR="0" indent="-548638" algn="l" defTabSz="914400" rtl="0" latinLnBrk="0">
         <a:lnSpc>
           <a:spcPct val="100000"/>
         </a:lnSpc>
         <a:spcBef>
-          <a:spcPts val="600"/>
+          <a:spcPts val="500"/>
         </a:spcBef>
         <a:spcAft>
           <a:spcPts val="0"/>
@@ -3943,31 +3756,28 @@
         <a:buFontTx/>
         <a:buChar char="■"/>
         <a:tabLst/>
-        <a:defRPr b="0" baseline="0" cap="none" i="0" spc="0" strike="noStrike" sz="5400" u="none">
-          <a:ln>
-            <a:noFill/>
-          </a:ln>
+        <a:defRPr b="0" baseline="0" cap="none" i="0" spc="0" strike="noStrike" sz="4800" u="none">
           <a:solidFill>
-            <a:srgbClr val="FFFF00"/>
+            <a:schemeClr val="accent6"/>
           </a:solidFill>
           <a:effectLst>
             <a:outerShdw sx="100000" sy="100000" kx="0" ky="0" algn="b" rotWithShape="0" blurRad="38100" dist="38100" dir="2700000">
-              <a:srgbClr val="000000"/>
+              <a:srgbClr val="0B0F14"/>
             </a:outerShdw>
           </a:effectLst>
           <a:uFillTx/>
-          <a:latin typeface="DFPWeiBei-B5-AZ"/>
-          <a:ea typeface="DFPWeiBei-B5-AZ"/>
-          <a:cs typeface="DFPWeiBei-B5-AZ"/>
-          <a:sym typeface="DFPWeiBei-B5-AZ"/>
+          <a:latin typeface="Helvetica Neue"/>
+          <a:ea typeface="Helvetica Neue"/>
+          <a:cs typeface="Helvetica Neue"/>
+          <a:sym typeface="Helvetica Neue"/>
         </a:defRPr>
       </a:lvl5pPr>
-      <a:lvl6pPr marL="2903218" marR="0" indent="-617218" algn="ctr" defTabSz="914400" rtl="0" latinLnBrk="0">
+      <a:lvl6pPr marL="2834638" marR="0" indent="-548638" algn="l" defTabSz="914400" rtl="0" latinLnBrk="0">
         <a:lnSpc>
           <a:spcPct val="100000"/>
         </a:lnSpc>
         <a:spcBef>
-          <a:spcPts val="600"/>
+          <a:spcPts val="500"/>
         </a:spcBef>
         <a:spcAft>
           <a:spcPts val="0"/>
@@ -3977,31 +3787,28 @@
         <a:buFontTx/>
         <a:buChar char="■"/>
         <a:tabLst/>
-        <a:defRPr b="0" baseline="0" cap="none" i="0" spc="0" strike="noStrike" sz="5400" u="none">
-          <a:ln>
-            <a:noFill/>
-          </a:ln>
+        <a:defRPr b="0" baseline="0" cap="none" i="0" spc="0" strike="noStrike" sz="4800" u="none">
           <a:solidFill>
-            <a:srgbClr val="FFFF00"/>
+            <a:schemeClr val="accent6"/>
           </a:solidFill>
           <a:effectLst>
             <a:outerShdw sx="100000" sy="100000" kx="0" ky="0" algn="b" rotWithShape="0" blurRad="38100" dist="38100" dir="2700000">
-              <a:srgbClr val="000000"/>
+              <a:srgbClr val="0B0F14"/>
             </a:outerShdw>
           </a:effectLst>
           <a:uFillTx/>
-          <a:latin typeface="DFPWeiBei-B5-AZ"/>
-          <a:ea typeface="DFPWeiBei-B5-AZ"/>
-          <a:cs typeface="DFPWeiBei-B5-AZ"/>
-          <a:sym typeface="DFPWeiBei-B5-AZ"/>
+          <a:latin typeface="Helvetica Neue"/>
+          <a:ea typeface="Helvetica Neue"/>
+          <a:cs typeface="Helvetica Neue"/>
+          <a:sym typeface="Helvetica Neue"/>
         </a:defRPr>
       </a:lvl6pPr>
-      <a:lvl7pPr marL="3360420" marR="0" indent="-617219" algn="ctr" defTabSz="914400" rtl="0" latinLnBrk="0">
+      <a:lvl7pPr marL="3291840" marR="0" indent="-548638" algn="l" defTabSz="914400" rtl="0" latinLnBrk="0">
         <a:lnSpc>
           <a:spcPct val="100000"/>
         </a:lnSpc>
         <a:spcBef>
-          <a:spcPts val="600"/>
+          <a:spcPts val="500"/>
         </a:spcBef>
         <a:spcAft>
           <a:spcPts val="0"/>
@@ -4011,31 +3818,28 @@
         <a:buFontTx/>
         <a:buChar char="■"/>
         <a:tabLst/>
-        <a:defRPr b="0" baseline="0" cap="none" i="0" spc="0" strike="noStrike" sz="5400" u="none">
-          <a:ln>
-            <a:noFill/>
-          </a:ln>
+        <a:defRPr b="0" baseline="0" cap="none" i="0" spc="0" strike="noStrike" sz="4800" u="none">
           <a:solidFill>
-            <a:srgbClr val="FFFF00"/>
+            <a:schemeClr val="accent6"/>
           </a:solidFill>
           <a:effectLst>
             <a:outerShdw sx="100000" sy="100000" kx="0" ky="0" algn="b" rotWithShape="0" blurRad="38100" dist="38100" dir="2700000">
-              <a:srgbClr val="000000"/>
+              <a:srgbClr val="0B0F14"/>
             </a:outerShdw>
           </a:effectLst>
           <a:uFillTx/>
-          <a:latin typeface="DFPWeiBei-B5-AZ"/>
-          <a:ea typeface="DFPWeiBei-B5-AZ"/>
-          <a:cs typeface="DFPWeiBei-B5-AZ"/>
-          <a:sym typeface="DFPWeiBei-B5-AZ"/>
+          <a:latin typeface="Helvetica Neue"/>
+          <a:ea typeface="Helvetica Neue"/>
+          <a:cs typeface="Helvetica Neue"/>
+          <a:sym typeface="Helvetica Neue"/>
         </a:defRPr>
       </a:lvl7pPr>
-      <a:lvl8pPr marL="3817620" marR="0" indent="-617219" algn="ctr" defTabSz="914400" rtl="0" latinLnBrk="0">
+      <a:lvl8pPr marL="3749040" marR="0" indent="-548638" algn="l" defTabSz="914400" rtl="0" latinLnBrk="0">
         <a:lnSpc>
           <a:spcPct val="100000"/>
         </a:lnSpc>
         <a:spcBef>
-          <a:spcPts val="600"/>
+          <a:spcPts val="500"/>
         </a:spcBef>
         <a:spcAft>
           <a:spcPts val="0"/>
@@ -4045,31 +3849,28 @@
         <a:buFontTx/>
         <a:buChar char="■"/>
         <a:tabLst/>
-        <a:defRPr b="0" baseline="0" cap="none" i="0" spc="0" strike="noStrike" sz="5400" u="none">
-          <a:ln>
-            <a:noFill/>
-          </a:ln>
+        <a:defRPr b="0" baseline="0" cap="none" i="0" spc="0" strike="noStrike" sz="4800" u="none">
           <a:solidFill>
-            <a:srgbClr val="FFFF00"/>
+            <a:schemeClr val="accent6"/>
           </a:solidFill>
           <a:effectLst>
             <a:outerShdw sx="100000" sy="100000" kx="0" ky="0" algn="b" rotWithShape="0" blurRad="38100" dist="38100" dir="2700000">
-              <a:srgbClr val="000000"/>
+              <a:srgbClr val="0B0F14"/>
             </a:outerShdw>
           </a:effectLst>
           <a:uFillTx/>
-          <a:latin typeface="DFPWeiBei-B5-AZ"/>
-          <a:ea typeface="DFPWeiBei-B5-AZ"/>
-          <a:cs typeface="DFPWeiBei-B5-AZ"/>
-          <a:sym typeface="DFPWeiBei-B5-AZ"/>
+          <a:latin typeface="Helvetica Neue"/>
+          <a:ea typeface="Helvetica Neue"/>
+          <a:cs typeface="Helvetica Neue"/>
+          <a:sym typeface="Helvetica Neue"/>
         </a:defRPr>
       </a:lvl8pPr>
-      <a:lvl9pPr marL="4274820" marR="0" indent="-617220" algn="ctr" defTabSz="914400" rtl="0" latinLnBrk="0">
+      <a:lvl9pPr marL="4206240" marR="0" indent="-548640" algn="l" defTabSz="914400" rtl="0" latinLnBrk="0">
         <a:lnSpc>
           <a:spcPct val="100000"/>
         </a:lnSpc>
         <a:spcBef>
-          <a:spcPts val="600"/>
+          <a:spcPts val="500"/>
         </a:spcBef>
         <a:spcAft>
           <a:spcPts val="0"/>
@@ -4079,23 +3880,20 @@
         <a:buFontTx/>
         <a:buChar char="■"/>
         <a:tabLst/>
-        <a:defRPr b="0" baseline="0" cap="none" i="0" spc="0" strike="noStrike" sz="5400" u="none">
-          <a:ln>
-            <a:noFill/>
-          </a:ln>
+        <a:defRPr b="0" baseline="0" cap="none" i="0" spc="0" strike="noStrike" sz="4800" u="none">
           <a:solidFill>
-            <a:srgbClr val="FFFF00"/>
+            <a:schemeClr val="accent6"/>
           </a:solidFill>
           <a:effectLst>
             <a:outerShdw sx="100000" sy="100000" kx="0" ky="0" algn="b" rotWithShape="0" blurRad="38100" dist="38100" dir="2700000">
-              <a:srgbClr val="000000"/>
+              <a:srgbClr val="0B0F14"/>
             </a:outerShdw>
           </a:effectLst>
           <a:uFillTx/>
-          <a:latin typeface="DFPWeiBei-B5-AZ"/>
-          <a:ea typeface="DFPWeiBei-B5-AZ"/>
-          <a:cs typeface="DFPWeiBei-B5-AZ"/>
-          <a:sym typeface="DFPWeiBei-B5-AZ"/>
+          <a:latin typeface="Helvetica Neue"/>
+          <a:ea typeface="Helvetica Neue"/>
+          <a:cs typeface="Helvetica Neue"/>
+          <a:sym typeface="Helvetica Neue"/>
         </a:defRPr>
       </a:lvl9pPr>
     </p:bodyStyle>
@@ -4116,9 +3914,6 @@
         <a:buNone/>
         <a:tabLst/>
         <a:defRPr b="0" baseline="0" cap="none" i="0" spc="0" strike="noStrike" sz="1200" u="none">
-          <a:ln>
-            <a:noFill/>
-          </a:ln>
           <a:solidFill>
             <a:schemeClr val="tx1"/>
           </a:solidFill>
@@ -4145,9 +3940,6 @@
         <a:buNone/>
         <a:tabLst/>
         <a:defRPr b="0" baseline="0" cap="none" i="0" spc="0" strike="noStrike" sz="1200" u="none">
-          <a:ln>
-            <a:noFill/>
-          </a:ln>
           <a:solidFill>
             <a:schemeClr val="tx1"/>
           </a:solidFill>
@@ -4174,9 +3966,6 @@
         <a:buNone/>
         <a:tabLst/>
         <a:defRPr b="0" baseline="0" cap="none" i="0" spc="0" strike="noStrike" sz="1200" u="none">
-          <a:ln>
-            <a:noFill/>
-          </a:ln>
           <a:solidFill>
             <a:schemeClr val="tx1"/>
           </a:solidFill>
@@ -4203,9 +3992,6 @@
         <a:buNone/>
         <a:tabLst/>
         <a:defRPr b="0" baseline="0" cap="none" i="0" spc="0" strike="noStrike" sz="1200" u="none">
-          <a:ln>
-            <a:noFill/>
-          </a:ln>
           <a:solidFill>
             <a:schemeClr val="tx1"/>
           </a:solidFill>
@@ -4232,9 +4018,6 @@
         <a:buNone/>
         <a:tabLst/>
         <a:defRPr b="0" baseline="0" cap="none" i="0" spc="0" strike="noStrike" sz="1200" u="none">
-          <a:ln>
-            <a:noFill/>
-          </a:ln>
           <a:solidFill>
             <a:schemeClr val="tx1"/>
           </a:solidFill>
@@ -4261,9 +4044,6 @@
         <a:buNone/>
         <a:tabLst/>
         <a:defRPr b="0" baseline="0" cap="none" i="0" spc="0" strike="noStrike" sz="1200" u="none">
-          <a:ln>
-            <a:noFill/>
-          </a:ln>
           <a:solidFill>
             <a:schemeClr val="tx1"/>
           </a:solidFill>
@@ -4290,9 +4070,6 @@
         <a:buNone/>
         <a:tabLst/>
         <a:defRPr b="0" baseline="0" cap="none" i="0" spc="0" strike="noStrike" sz="1200" u="none">
-          <a:ln>
-            <a:noFill/>
-          </a:ln>
           <a:solidFill>
             <a:schemeClr val="tx1"/>
           </a:solidFill>
@@ -4319,9 +4096,6 @@
         <a:buNone/>
         <a:tabLst/>
         <a:defRPr b="0" baseline="0" cap="none" i="0" spc="0" strike="noStrike" sz="1200" u="none">
-          <a:ln>
-            <a:noFill/>
-          </a:ln>
           <a:solidFill>
             <a:schemeClr val="tx1"/>
           </a:solidFill>
@@ -4348,9 +4122,6 @@
         <a:buNone/>
         <a:tabLst/>
         <a:defRPr b="0" baseline="0" cap="none" i="0" spc="0" strike="noStrike" sz="1200" u="none">
-          <a:ln>
-            <a:noFill/>
-          </a:ln>
           <a:solidFill>
             <a:schemeClr val="tx1"/>
           </a:solidFill>
@@ -4367,7 +4138,7 @@
 </file>
 
 <file path=ppt/slides/slide1.xml><?xml version="1.0" encoding="utf-8"?>
-<p:sld xmlns:a="http://schemas.openxmlformats.org/drawingml/2006/main" xmlns:r="http://schemas.openxmlformats.org/officeDocument/2006/relationships" xmlns:p="http://schemas.openxmlformats.org/presentationml/2006/main" xmlns:m="http://schemas.openxmlformats.org/officeDocument/2006/math" xmlns:a14="http://schemas.microsoft.com/office/drawing/2010/main" showMasterSp="1" showMasterPhAnim="1">
+<p:sld xmlns:a="http://schemas.openxmlformats.org/drawingml/2006/main" xmlns:p="http://schemas.openxmlformats.org/presentationml/2006/main" xmlns:r="http://schemas.openxmlformats.org/officeDocument/2006/relationships">
   <p:cSld>
     <p:spTree>
       <p:nvGrpSpPr>
@@ -4375,78 +4146,120 @@
         <p:cNvGrpSpPr/>
         <p:nvPr/>
       </p:nvGrpSpPr>
-      <p:grpSpPr>
-        <a:xfrm>
-          <a:off x="0" y="0"/>
-          <a:ext cx="0" cy="0"/>
-          <a:chOff x="0" y="0"/>
-          <a:chExt cx="0" cy="0"/>
-        </a:xfrm>
-      </p:grpSpPr>
+      <p:grpSpPr/>
       <p:sp>
         <p:nvSpPr>
-          <p:cNvPr id="95" name="求主給我一顆心"/>
-          <p:cNvSpPr txBox="1"/>
+          <p:cNvPr id="2" name="Title 1"/>
+          <p:cNvSpPr>
+            <a:spLocks noGrp="1"/>
+          </p:cNvSpPr>
           <p:nvPr>
             <p:ph type="title"/>
           </p:nvPr>
         </p:nvSpPr>
-        <p:spPr>
-          <a:xfrm>
-            <a:off x="609600" y="274638"/>
-            <a:ext cx="10972800" cy="1143001"/>
-          </a:xfrm>
-          <a:prstGeom prst="rect">
-            <a:avLst/>
-          </a:prstGeom>
-        </p:spPr>
+        <p:spPr/>
         <p:txBody>
           <a:bodyPr/>
           <a:lstStyle/>
           <a:p>
-            <a:pPr/>
             <a:r>
-              <a:t>#210 主復活（1）</a:t>
+              <a:t>主復活（1）</a:t>
             </a:r>
           </a:p>
         </p:txBody>
       </p:sp>
+    </p:spTree>
+  </p:cSld>
+  <p:clrMapOvr>
+    <a:masterClrMapping/>
+  </p:clrMapOvr>
+</p:sld>
+</file>
+
+<file path=ppt/slides/slide10.xml><?xml version="1.0" encoding="utf-8"?>
+<p:sld xmlns:a="http://schemas.openxmlformats.org/drawingml/2006/main" xmlns:p="http://schemas.openxmlformats.org/presentationml/2006/main" xmlns:r="http://schemas.openxmlformats.org/officeDocument/2006/relationships">
+  <p:cSld>
+    <p:spTree>
+      <p:nvGrpSpPr>
+        <p:cNvPr id="1" name=""/>
+        <p:cNvGrpSpPr/>
+        <p:nvPr/>
+      </p:nvGrpSpPr>
+      <p:grpSpPr/>
       <p:sp>
         <p:nvSpPr>
-          <p:cNvPr id="96" name="求主給我一顆心 為你而活…"/>
-          <p:cNvSpPr txBox="1"/>
+          <p:cNvPr id="2" name="Text Placeholder 1"/>
+          <p:cNvSpPr>
+            <a:spLocks noGrp="1"/>
+          </p:cNvSpPr>
           <p:nvPr>
-            <p:ph type="body" idx="1"/>
+            <p:ph type="body" idx="21"/>
           </p:nvPr>
         </p:nvSpPr>
-        <p:spPr>
-          <a:prstGeom prst="rect">
-            <a:avLst/>
-          </a:prstGeom>
-        </p:spPr>
+        <p:spPr/>
         <p:txBody>
           <a:bodyPr/>
           <a:lstStyle/>
           <a:p>
-            <a:pPr/>
             <a:r>
-              <a:t>主在墳墓安睡</a:t>
+              <a:t> 主復活 主復活</a:t>
             </a:r>
           </a:p>
           <a:p>
-            <a:pPr/>
+            <a:r>
+              <a:t>哈利路亞 主復活</a:t>
+            </a:r>
+          </a:p>
+        </p:txBody>
+      </p:sp>
+    </p:spTree>
+  </p:cSld>
+  <p:clrMapOvr>
+    <a:masterClrMapping/>
+  </p:clrMapOvr>
+</p:sld>
+</file>
+
+<file path=ppt/slides/slide2.xml><?xml version="1.0" encoding="utf-8"?>
+<p:sld xmlns:a="http://schemas.openxmlformats.org/drawingml/2006/main" xmlns:p="http://schemas.openxmlformats.org/presentationml/2006/main" xmlns:r="http://schemas.openxmlformats.org/officeDocument/2006/relationships">
+  <p:cSld>
+    <p:spTree>
+      <p:nvGrpSpPr>
+        <p:cNvPr id="1" name=""/>
+        <p:cNvGrpSpPr/>
+        <p:nvPr/>
+      </p:nvGrpSpPr>
+      <p:grpSpPr/>
+      <p:sp>
+        <p:nvSpPr>
+          <p:cNvPr id="2" name="Text Placeholder 1"/>
+          <p:cNvSpPr>
+            <a:spLocks noGrp="1"/>
+          </p:cNvSpPr>
+          <p:nvPr>
+            <p:ph type="body" idx="21"/>
+          </p:nvPr>
+        </p:nvSpPr>
+        <p:spPr/>
+        <p:txBody>
+          <a:bodyPr/>
+          <a:lstStyle/>
+          <a:p>
+            <a:r>
+              <a:t> 主在墳墓安睡</a:t>
+            </a:r>
+          </a:p>
+          <a:p>
             <a:r>
               <a:t>耶穌我救主</a:t>
             </a:r>
           </a:p>
           <a:p>
-            <a:pPr/>
             <a:r>
               <a:t>等待復活日來</a:t>
             </a:r>
           </a:p>
           <a:p>
-            <a:pPr/>
             <a:r>
               <a:t>耶穌我主</a:t>
             </a:r>
@@ -4458,12 +4271,11 @@
   <p:clrMapOvr>
     <a:masterClrMapping/>
   </p:clrMapOvr>
-  <p:transition xmlns:p14="http://schemas.microsoft.com/office/powerpoint/2010/main" spd="med" advClick="1"/>
 </p:sld>
 </file>
 
-<file path=ppt/slides/slide2.xml><?xml version="1.0" encoding="utf-8"?>
-<p:sld xmlns:a="http://schemas.openxmlformats.org/drawingml/2006/main" xmlns:r="http://schemas.openxmlformats.org/officeDocument/2006/relationships" xmlns:p="http://schemas.openxmlformats.org/presentationml/2006/main" xmlns:m="http://schemas.openxmlformats.org/officeDocument/2006/math" xmlns:a14="http://schemas.microsoft.com/office/drawing/2010/main" showMasterSp="1" showMasterPhAnim="1">
+<file path=ppt/slides/slide3.xml><?xml version="1.0" encoding="utf-8"?>
+<p:sld xmlns:a="http://schemas.openxmlformats.org/drawingml/2006/main" xmlns:p="http://schemas.openxmlformats.org/presentationml/2006/main" xmlns:r="http://schemas.openxmlformats.org/officeDocument/2006/relationships">
   <p:cSld>
     <p:spTree>
       <p:nvGrpSpPr>
@@ -4471,90 +4283,81 @@
         <p:cNvGrpSpPr/>
         <p:nvPr/>
       </p:nvGrpSpPr>
-      <p:grpSpPr>
-        <a:xfrm>
-          <a:off x="0" y="0"/>
-          <a:ext cx="0" cy="0"/>
-          <a:chOff x="0" y="0"/>
-          <a:chExt cx="0" cy="0"/>
-        </a:xfrm>
-      </p:grpSpPr>
+      <p:grpSpPr/>
       <p:sp>
         <p:nvSpPr>
-          <p:cNvPr id="98" name="求主給我一顆心"/>
-          <p:cNvSpPr txBox="1"/>
+          <p:cNvPr id="2" name="Text Placeholder 1"/>
+          <p:cNvSpPr>
+            <a:spLocks noGrp="1"/>
+          </p:cNvSpPr>
           <p:nvPr>
-            <p:ph type="title"/>
+            <p:ph type="body" idx="21"/>
           </p:nvPr>
         </p:nvSpPr>
-        <p:spPr>
-          <a:xfrm>
-            <a:off x="609600" y="274638"/>
-            <a:ext cx="10972800" cy="1143002"/>
-          </a:xfrm>
-          <a:prstGeom prst="rect">
-            <a:avLst/>
-          </a:prstGeom>
-        </p:spPr>
+        <p:spPr/>
         <p:txBody>
           <a:bodyPr/>
           <a:lstStyle/>
           <a:p>
-            <a:pPr/>
             <a:r>
-              <a:t>#210 主復活（1）</a:t>
-            </a:r>
-          </a:p>
-        </p:txBody>
-      </p:sp>
-      <p:sp>
-        <p:nvSpPr>
-          <p:cNvPr id="99" name="求主給我一顆心 為你而活…"/>
-          <p:cNvSpPr txBox="1"/>
-          <p:nvPr>
-            <p:ph type="body" idx="1"/>
-          </p:nvPr>
-        </p:nvSpPr>
-        <p:spPr>
-          <a:prstGeom prst="rect">
-            <a:avLst/>
-          </a:prstGeom>
-        </p:spPr>
-        <p:txBody>
-          <a:bodyPr/>
-          <a:lstStyle/>
-          <a:p>
-            <a:pPr/>
-            <a:r>
-              <a:t>主從墳墓裡復活</a:t>
+              <a:t> 主從墳墓裡復活</a:t>
             </a:r>
           </a:p>
           <a:p>
-            <a:pPr/>
             <a:r>
               <a:t>得勝一切仇敵與罪惡</a:t>
             </a:r>
           </a:p>
           <a:p>
-            <a:pPr/>
             <a:r>
               <a:t>主耶穌復活 得勝黑暗君王</a:t>
             </a:r>
           </a:p>
           <a:p>
-            <a:pPr/>
             <a:r>
               <a:t>彼此永遠與聖徒一同做王</a:t>
             </a:r>
           </a:p>
+        </p:txBody>
+      </p:sp>
+    </p:spTree>
+  </p:cSld>
+  <p:clrMapOvr>
+    <a:masterClrMapping/>
+  </p:clrMapOvr>
+</p:sld>
+</file>
+
+<file path=ppt/slides/slide4.xml><?xml version="1.0" encoding="utf-8"?>
+<p:sld xmlns:a="http://schemas.openxmlformats.org/drawingml/2006/main" xmlns:p="http://schemas.openxmlformats.org/presentationml/2006/main" xmlns:r="http://schemas.openxmlformats.org/officeDocument/2006/relationships">
+  <p:cSld>
+    <p:spTree>
+      <p:nvGrpSpPr>
+        <p:cNvPr id="1" name=""/>
+        <p:cNvGrpSpPr/>
+        <p:nvPr/>
+      </p:nvGrpSpPr>
+      <p:grpSpPr/>
+      <p:sp>
+        <p:nvSpPr>
+          <p:cNvPr id="2" name="Text Placeholder 1"/>
+          <p:cNvSpPr>
+            <a:spLocks noGrp="1"/>
+          </p:cNvSpPr>
+          <p:nvPr>
+            <p:ph type="body" idx="21"/>
+          </p:nvPr>
+        </p:nvSpPr>
+        <p:spPr/>
+        <p:txBody>
+          <a:bodyPr/>
+          <a:lstStyle/>
           <a:p>
-            <a:pPr/>
             <a:r>
-              <a:t>主復活 主復活</a:t>
+              <a:t> 主復活 主復活</a:t>
             </a:r>
           </a:p>
           <a:p>
-            <a:pPr/>
             <a:r>
               <a:t>哈利路亞 主復活</a:t>
             </a:r>
@@ -4566,12 +4369,11 @@
   <p:clrMapOvr>
     <a:masterClrMapping/>
   </p:clrMapOvr>
-  <p:transition xmlns:p14="http://schemas.microsoft.com/office/powerpoint/2010/main" spd="med" advClick="1"/>
 </p:sld>
 </file>
 
-<file path=ppt/slides/slide3.xml><?xml version="1.0" encoding="utf-8"?>
-<p:sld xmlns:a="http://schemas.openxmlformats.org/drawingml/2006/main" xmlns:r="http://schemas.openxmlformats.org/officeDocument/2006/relationships" xmlns:p="http://schemas.openxmlformats.org/presentationml/2006/main" xmlns:m="http://schemas.openxmlformats.org/officeDocument/2006/math" xmlns:a14="http://schemas.microsoft.com/office/drawing/2010/main" showMasterSp="1" showMasterPhAnim="1">
+<file path=ppt/slides/slide5.xml><?xml version="1.0" encoding="utf-8"?>
+<p:sld xmlns:a="http://schemas.openxmlformats.org/drawingml/2006/main" xmlns:p="http://schemas.openxmlformats.org/presentationml/2006/main" xmlns:r="http://schemas.openxmlformats.org/officeDocument/2006/relationships">
   <p:cSld>
     <p:spTree>
       <p:nvGrpSpPr>
@@ -4579,78 +4381,37 @@
         <p:cNvGrpSpPr/>
         <p:nvPr/>
       </p:nvGrpSpPr>
-      <p:grpSpPr>
-        <a:xfrm>
-          <a:off x="0" y="0"/>
-          <a:ext cx="0" cy="0"/>
-          <a:chOff x="0" y="0"/>
-          <a:chExt cx="0" cy="0"/>
-        </a:xfrm>
-      </p:grpSpPr>
+      <p:grpSpPr/>
       <p:sp>
         <p:nvSpPr>
-          <p:cNvPr id="101" name="求主給我一顆心"/>
-          <p:cNvSpPr txBox="1"/>
+          <p:cNvPr id="2" name="Text Placeholder 1"/>
+          <p:cNvSpPr>
+            <a:spLocks noGrp="1"/>
+          </p:cNvSpPr>
           <p:nvPr>
-            <p:ph type="title"/>
+            <p:ph type="body" idx="21"/>
           </p:nvPr>
         </p:nvSpPr>
-        <p:spPr>
-          <a:xfrm>
-            <a:off x="609600" y="274638"/>
-            <a:ext cx="10972800" cy="1143002"/>
-          </a:xfrm>
-          <a:prstGeom prst="rect">
-            <a:avLst/>
-          </a:prstGeom>
-        </p:spPr>
+        <p:spPr/>
         <p:txBody>
           <a:bodyPr/>
           <a:lstStyle/>
           <a:p>
-            <a:pPr/>
-            <a:r>
-              <a:t>#210 主復活（2）</a:t>
-            </a:r>
-          </a:p>
-        </p:txBody>
-      </p:sp>
-      <p:sp>
-        <p:nvSpPr>
-          <p:cNvPr id="102" name="求主給我一顆心 為你而活…"/>
-          <p:cNvSpPr txBox="1"/>
-          <p:nvPr>
-            <p:ph type="body" idx="1"/>
-          </p:nvPr>
-        </p:nvSpPr>
-        <p:spPr>
-          <a:prstGeom prst="rect">
-            <a:avLst/>
-          </a:prstGeom>
-        </p:spPr>
-        <p:txBody>
-          <a:bodyPr/>
-          <a:lstStyle/>
-          <a:p>
-            <a:pPr/>
             <a:r>
               <a:t> 兵丁守墓無用</a:t>
             </a:r>
           </a:p>
           <a:p>
-            <a:pPr/>
             <a:r>
               <a:t>耶穌我救主</a:t>
             </a:r>
           </a:p>
           <a:p>
-            <a:pPr/>
             <a:r>
               <a:t>封石也歸虛空</a:t>
             </a:r>
           </a:p>
           <a:p>
-            <a:pPr/>
             <a:r>
               <a:t>耶穌我主</a:t>
             </a:r>
@@ -4662,12 +4423,11 @@
   <p:clrMapOvr>
     <a:masterClrMapping/>
   </p:clrMapOvr>
-  <p:transition xmlns:p14="http://schemas.microsoft.com/office/powerpoint/2010/main" spd="med" advClick="1"/>
 </p:sld>
 </file>
 
-<file path=ppt/slides/slide4.xml><?xml version="1.0" encoding="utf-8"?>
-<p:sld xmlns:a="http://schemas.openxmlformats.org/drawingml/2006/main" xmlns:r="http://schemas.openxmlformats.org/officeDocument/2006/relationships" xmlns:p="http://schemas.openxmlformats.org/presentationml/2006/main" xmlns:m="http://schemas.openxmlformats.org/officeDocument/2006/math" xmlns:a14="http://schemas.microsoft.com/office/drawing/2010/main" showMasterSp="1" showMasterPhAnim="1">
+<file path=ppt/slides/slide6.xml><?xml version="1.0" encoding="utf-8"?>
+<p:sld xmlns:a="http://schemas.openxmlformats.org/drawingml/2006/main" xmlns:p="http://schemas.openxmlformats.org/presentationml/2006/main" xmlns:r="http://schemas.openxmlformats.org/officeDocument/2006/relationships">
   <p:cSld>
     <p:spTree>
       <p:nvGrpSpPr>
@@ -4675,90 +4435,81 @@
         <p:cNvGrpSpPr/>
         <p:nvPr/>
       </p:nvGrpSpPr>
-      <p:grpSpPr>
-        <a:xfrm>
-          <a:off x="0" y="0"/>
-          <a:ext cx="0" cy="0"/>
-          <a:chOff x="0" y="0"/>
-          <a:chExt cx="0" cy="0"/>
-        </a:xfrm>
-      </p:grpSpPr>
+      <p:grpSpPr/>
       <p:sp>
         <p:nvSpPr>
-          <p:cNvPr id="104" name="求主給我一顆心"/>
-          <p:cNvSpPr txBox="1"/>
+          <p:cNvPr id="2" name="Text Placeholder 1"/>
+          <p:cNvSpPr>
+            <a:spLocks noGrp="1"/>
+          </p:cNvSpPr>
           <p:nvPr>
-            <p:ph type="title"/>
+            <p:ph type="body" idx="21"/>
           </p:nvPr>
         </p:nvSpPr>
-        <p:spPr>
-          <a:xfrm>
-            <a:off x="609600" y="274638"/>
-            <a:ext cx="10972800" cy="1143002"/>
-          </a:xfrm>
-          <a:prstGeom prst="rect">
-            <a:avLst/>
-          </a:prstGeom>
-        </p:spPr>
+        <p:spPr/>
         <p:txBody>
           <a:bodyPr/>
           <a:lstStyle/>
           <a:p>
-            <a:pPr/>
             <a:r>
-              <a:t>#210 主復活（2）</a:t>
-            </a:r>
-          </a:p>
-        </p:txBody>
-      </p:sp>
-      <p:sp>
-        <p:nvSpPr>
-          <p:cNvPr id="105" name="求主給我一顆心 為你而活…"/>
-          <p:cNvSpPr txBox="1"/>
-          <p:nvPr>
-            <p:ph type="body" idx="1"/>
-          </p:nvPr>
-        </p:nvSpPr>
-        <p:spPr>
-          <a:prstGeom prst="rect">
-            <a:avLst/>
-          </a:prstGeom>
-        </p:spPr>
-        <p:txBody>
-          <a:bodyPr/>
-          <a:lstStyle/>
-          <a:p>
-            <a:pPr/>
-            <a:r>
-              <a:t>主從墳墓裡復活</a:t>
+              <a:t> 主從墳墓裡復活</a:t>
             </a:r>
           </a:p>
           <a:p>
-            <a:pPr/>
             <a:r>
               <a:t>得勝一切仇敵與罪惡</a:t>
             </a:r>
           </a:p>
           <a:p>
-            <a:pPr/>
             <a:r>
               <a:t>主耶穌復活 得勝黑暗君王</a:t>
             </a:r>
           </a:p>
           <a:p>
-            <a:pPr/>
             <a:r>
               <a:t>彼此永遠與聖徒一同做王</a:t>
             </a:r>
           </a:p>
+        </p:txBody>
+      </p:sp>
+    </p:spTree>
+  </p:cSld>
+  <p:clrMapOvr>
+    <a:masterClrMapping/>
+  </p:clrMapOvr>
+</p:sld>
+</file>
+
+<file path=ppt/slides/slide7.xml><?xml version="1.0" encoding="utf-8"?>
+<p:sld xmlns:a="http://schemas.openxmlformats.org/drawingml/2006/main" xmlns:p="http://schemas.openxmlformats.org/presentationml/2006/main" xmlns:r="http://schemas.openxmlformats.org/officeDocument/2006/relationships">
+  <p:cSld>
+    <p:spTree>
+      <p:nvGrpSpPr>
+        <p:cNvPr id="1" name=""/>
+        <p:cNvGrpSpPr/>
+        <p:nvPr/>
+      </p:nvGrpSpPr>
+      <p:grpSpPr/>
+      <p:sp>
+        <p:nvSpPr>
+          <p:cNvPr id="2" name="Text Placeholder 1"/>
+          <p:cNvSpPr>
+            <a:spLocks noGrp="1"/>
+          </p:cNvSpPr>
+          <p:nvPr>
+            <p:ph type="body" idx="21"/>
+          </p:nvPr>
+        </p:nvSpPr>
+        <p:spPr/>
+        <p:txBody>
+          <a:bodyPr/>
+          <a:lstStyle/>
           <a:p>
-            <a:pPr/>
             <a:r>
-              <a:t>主復活 主復活</a:t>
+              <a:t> 主復活 主復活</a:t>
             </a:r>
           </a:p>
           <a:p>
-            <a:pPr/>
             <a:r>
               <a:t>哈利路亞 主復活</a:t>
             </a:r>
@@ -4770,12 +4521,11 @@
   <p:clrMapOvr>
     <a:masterClrMapping/>
   </p:clrMapOvr>
-  <p:transition xmlns:p14="http://schemas.microsoft.com/office/powerpoint/2010/main" spd="med" advClick="1"/>
 </p:sld>
 </file>
 
-<file path=ppt/slides/slide5.xml><?xml version="1.0" encoding="utf-8"?>
-<p:sld xmlns:a="http://schemas.openxmlformats.org/drawingml/2006/main" xmlns:r="http://schemas.openxmlformats.org/officeDocument/2006/relationships" xmlns:p="http://schemas.openxmlformats.org/presentationml/2006/main" xmlns:m="http://schemas.openxmlformats.org/officeDocument/2006/math" xmlns:a14="http://schemas.microsoft.com/office/drawing/2010/main" showMasterSp="1" showMasterPhAnim="1">
+<file path=ppt/slides/slide8.xml><?xml version="1.0" encoding="utf-8"?>
+<p:sld xmlns:a="http://schemas.openxmlformats.org/drawingml/2006/main" xmlns:p="http://schemas.openxmlformats.org/presentationml/2006/main" xmlns:r="http://schemas.openxmlformats.org/officeDocument/2006/relationships">
   <p:cSld>
     <p:spTree>
       <p:nvGrpSpPr>
@@ -4783,78 +4533,37 @@
         <p:cNvGrpSpPr/>
         <p:nvPr/>
       </p:nvGrpSpPr>
-      <p:grpSpPr>
-        <a:xfrm>
-          <a:off x="0" y="0"/>
-          <a:ext cx="0" cy="0"/>
-          <a:chOff x="0" y="0"/>
-          <a:chExt cx="0" cy="0"/>
-        </a:xfrm>
-      </p:grpSpPr>
+      <p:grpSpPr/>
       <p:sp>
         <p:nvSpPr>
-          <p:cNvPr id="107" name="求主給我一顆心"/>
-          <p:cNvSpPr txBox="1"/>
+          <p:cNvPr id="2" name="Text Placeholder 1"/>
+          <p:cNvSpPr>
+            <a:spLocks noGrp="1"/>
+          </p:cNvSpPr>
           <p:nvPr>
-            <p:ph type="title"/>
+            <p:ph type="body" idx="21"/>
           </p:nvPr>
         </p:nvSpPr>
-        <p:spPr>
-          <a:xfrm>
-            <a:off x="609600" y="274638"/>
-            <a:ext cx="10972800" cy="1143002"/>
-          </a:xfrm>
-          <a:prstGeom prst="rect">
-            <a:avLst/>
-          </a:prstGeom>
-        </p:spPr>
+        <p:spPr/>
         <p:txBody>
           <a:bodyPr/>
           <a:lstStyle/>
           <a:p>
-            <a:pPr/>
             <a:r>
-              <a:t>#210 主復活（3）</a:t>
-            </a:r>
-          </a:p>
-        </p:txBody>
-      </p:sp>
-      <p:sp>
-        <p:nvSpPr>
-          <p:cNvPr id="108" name="求主給我一顆心 為你而活…"/>
-          <p:cNvSpPr txBox="1"/>
-          <p:nvPr>
-            <p:ph type="body" idx="1"/>
-          </p:nvPr>
-        </p:nvSpPr>
-        <p:spPr>
-          <a:prstGeom prst="rect">
-            <a:avLst/>
-          </a:prstGeom>
-        </p:spPr>
-        <p:txBody>
-          <a:bodyPr/>
-          <a:lstStyle/>
-          <a:p>
-            <a:pPr/>
-            <a:r>
-              <a:t>死權不能困主</a:t>
+              <a:t> 死權不能困主</a:t>
             </a:r>
           </a:p>
           <a:p>
-            <a:pPr/>
             <a:r>
               <a:t>耶穌我救主</a:t>
             </a:r>
           </a:p>
           <a:p>
-            <a:pPr/>
             <a:r>
               <a:t>因已被主得勝</a:t>
             </a:r>
           </a:p>
           <a:p>
-            <a:pPr/>
             <a:r>
               <a:t>耶穌我主</a:t>
             </a:r>
@@ -4866,12 +4575,11 @@
   <p:clrMapOvr>
     <a:masterClrMapping/>
   </p:clrMapOvr>
-  <p:transition xmlns:p14="http://schemas.microsoft.com/office/powerpoint/2010/main" spd="med" advClick="1"/>
 </p:sld>
 </file>
 
-<file path=ppt/slides/slide6.xml><?xml version="1.0" encoding="utf-8"?>
-<p:sld xmlns:a="http://schemas.openxmlformats.org/drawingml/2006/main" xmlns:r="http://schemas.openxmlformats.org/officeDocument/2006/relationships" xmlns:p="http://schemas.openxmlformats.org/presentationml/2006/main" xmlns:m="http://schemas.openxmlformats.org/officeDocument/2006/math" xmlns:a14="http://schemas.microsoft.com/office/drawing/2010/main" showMasterSp="1" showMasterPhAnim="1">
+<file path=ppt/slides/slide9.xml><?xml version="1.0" encoding="utf-8"?>
+<p:sld xmlns:a="http://schemas.openxmlformats.org/drawingml/2006/main" xmlns:p="http://schemas.openxmlformats.org/presentationml/2006/main" xmlns:r="http://schemas.openxmlformats.org/officeDocument/2006/relationships">
   <p:cSld>
     <p:spTree>
       <p:nvGrpSpPr>
@@ -4879,92 +4587,39 @@
         <p:cNvGrpSpPr/>
         <p:nvPr/>
       </p:nvGrpSpPr>
-      <p:grpSpPr>
-        <a:xfrm>
-          <a:off x="0" y="0"/>
-          <a:ext cx="0" cy="0"/>
-          <a:chOff x="0" y="0"/>
-          <a:chExt cx="0" cy="0"/>
-        </a:xfrm>
-      </p:grpSpPr>
+      <p:grpSpPr/>
       <p:sp>
         <p:nvSpPr>
-          <p:cNvPr id="110" name="求主給我一顆心"/>
-          <p:cNvSpPr txBox="1"/>
+          <p:cNvPr id="2" name="Text Placeholder 1"/>
+          <p:cNvSpPr>
+            <a:spLocks noGrp="1"/>
+          </p:cNvSpPr>
           <p:nvPr>
-            <p:ph type="title"/>
+            <p:ph type="body" idx="21"/>
           </p:nvPr>
         </p:nvSpPr>
-        <p:spPr>
-          <a:xfrm>
-            <a:off x="609600" y="274638"/>
-            <a:ext cx="10972800" cy="1143002"/>
-          </a:xfrm>
-          <a:prstGeom prst="rect">
-            <a:avLst/>
-          </a:prstGeom>
-        </p:spPr>
+        <p:spPr/>
         <p:txBody>
           <a:bodyPr/>
           <a:lstStyle/>
           <a:p>
-            <a:pPr/>
             <a:r>
-              <a:t>#210 主復活（3）</a:t>
-            </a:r>
-          </a:p>
-        </p:txBody>
-      </p:sp>
-      <p:sp>
-        <p:nvSpPr>
-          <p:cNvPr id="111" name="求主給我一顆心 為你而活…"/>
-          <p:cNvSpPr txBox="1"/>
-          <p:nvPr>
-            <p:ph type="body" idx="1"/>
-          </p:nvPr>
-        </p:nvSpPr>
-        <p:spPr>
-          <a:prstGeom prst="rect">
-            <a:avLst/>
-          </a:prstGeom>
-        </p:spPr>
-        <p:txBody>
-          <a:bodyPr/>
-          <a:lstStyle/>
-          <a:p>
-            <a:pPr/>
-            <a:r>
-              <a:t>主從墳墓裡復活</a:t>
+              <a:t> 主從墳墓裡復活</a:t>
             </a:r>
           </a:p>
           <a:p>
-            <a:pPr/>
             <a:r>
               <a:t>得勝一切仇敵與罪惡</a:t>
             </a:r>
           </a:p>
           <a:p>
-            <a:pPr/>
             <a:r>
               <a:t>主耶穌復活 得勝黑暗君王</a:t>
             </a:r>
           </a:p>
           <a:p>
-            <a:pPr/>
             <a:r>
               <a:t>彼此永遠與聖徒一同做王</a:t>
-            </a:r>
-          </a:p>
-          <a:p>
-            <a:pPr/>
-            <a:r>
-              <a:t>主復活 主復活</a:t>
-            </a:r>
-          </a:p>
-          <a:p>
-            <a:pPr/>
-            <a:r>
-              <a:t>哈利路亞 主復活</a:t>
             </a:r>
           </a:p>
         </p:txBody>
@@ -4974,7 +4629,6 @@
   <p:clrMapOvr>
     <a:masterClrMapping/>
   </p:clrMapOvr>
-  <p:transition xmlns:p14="http://schemas.microsoft.com/office/powerpoint/2010/main" spd="med" advClick="1"/>
 </p:sld>
 </file>
 
@@ -4983,10 +4637,10 @@
   <a:themeElements>
     <a:clrScheme name="Stream_blue">
       <a:dk1>
-        <a:srgbClr val="000514"/>
+        <a:srgbClr val="0B0F14"/>
       </a:dk1>
       <a:lt1>
-        <a:srgbClr val="003399"/>
+        <a:srgbClr val="0B0F14"/>
       </a:lt1>
       <a:dk2>
         <a:srgbClr val="A7A7A7"/>
@@ -4995,22 +4649,22 @@
         <a:srgbClr val="535353"/>
       </a:lt2>
       <a:accent1>
-        <a:srgbClr val="0099CC"/>
+        <a:srgbClr val="7DD3FC"/>
       </a:accent1>
       <a:accent2>
-        <a:srgbClr val="A886E0"/>
+        <a:srgbClr val="A5B4FC"/>
       </a:accent2>
       <a:accent3>
-        <a:srgbClr val="AAADCA"/>
+        <a:srgbClr val="94A3B8"/>
       </a:accent3>
       <a:accent4>
-        <a:srgbClr val="DADADA"/>
+        <a:srgbClr val="E2E8F0"/>
       </a:accent4>
       <a:accent5>
-        <a:srgbClr val="AACAE2"/>
+        <a:srgbClr val="38BDF8"/>
       </a:accent5>
       <a:accent6>
-        <a:srgbClr val="9879CB"/>
+        <a:srgbClr val="F6C453"/>
       </a:accent6>
       <a:hlink>
         <a:srgbClr val="0000FF"/>
@@ -5169,7 +4823,7 @@
     <a:spDef>
       <a:spPr>
         <a:solidFill>
-          <a:srgbClr val="003399"/>
+          <a:srgbClr val="0B0F14"/>
         </a:solidFill>
         <a:ln w="25400" cap="flat">
           <a:solidFill>
@@ -5205,14 +4859,14 @@
               <a:noFill/>
             </a:ln>
             <a:solidFill>
-              <a:srgbClr val="000514"/>
+              <a:srgbClr val="0B0F14"/>
             </a:solidFill>
             <a:effectLst/>
             <a:uFillTx/>
-            <a:latin typeface="+mn-lt"/>
-            <a:ea typeface="+mn-ea"/>
-            <a:cs typeface="+mn-cs"/>
-            <a:sym typeface="Helvetica"/>
+            <a:latin typeface="+mj-lt"/>
+            <a:ea typeface="+mj-ea"/>
+            <a:cs typeface="+mj-cs"/>
+            <a:sym typeface="Arial"/>
           </a:defRPr>
         </a:defPPr>
         <a:lvl1pPr marL="0" marR="0" indent="0" algn="l" defTabSz="914400" rtl="0" fontAlgn="auto" latinLnBrk="1" hangingPunct="0">
@@ -5776,14 +5430,14 @@
               <a:noFill/>
             </a:ln>
             <a:solidFill>
-              <a:srgbClr val="000514"/>
+              <a:srgbClr val="0B0F14"/>
             </a:solidFill>
             <a:effectLst/>
             <a:uFillTx/>
-            <a:latin typeface="+mn-lt"/>
-            <a:ea typeface="+mn-ea"/>
-            <a:cs typeface="+mn-cs"/>
-            <a:sym typeface="Helvetica"/>
+            <a:latin typeface="+mj-lt"/>
+            <a:ea typeface="+mj-ea"/>
+            <a:cs typeface="+mj-cs"/>
+            <a:sym typeface="Arial"/>
           </a:defRPr>
         </a:defPPr>
         <a:lvl1pPr marL="0" marR="0" indent="0" algn="l" defTabSz="914400" rtl="0" fontAlgn="auto" latinLnBrk="1" hangingPunct="0">
@@ -6049,22 +5703,22 @@
         <a:srgbClr val="535353"/>
       </a:lt2>
       <a:accent1>
-        <a:srgbClr val="0099CC"/>
+        <a:srgbClr val="7DD3FC"/>
       </a:accent1>
       <a:accent2>
-        <a:srgbClr val="A886E0"/>
+        <a:srgbClr val="A5B4FC"/>
       </a:accent2>
       <a:accent3>
-        <a:srgbClr val="AAADCA"/>
+        <a:srgbClr val="94A3B8"/>
       </a:accent3>
       <a:accent4>
-        <a:srgbClr val="DADADA"/>
+        <a:srgbClr val="E2E8F0"/>
       </a:accent4>
       <a:accent5>
-        <a:srgbClr val="AACAE2"/>
+        <a:srgbClr val="38BDF8"/>
       </a:accent5>
       <a:accent6>
-        <a:srgbClr val="9879CB"/>
+        <a:srgbClr val="F6C453"/>
       </a:accent6>
       <a:hlink>
         <a:srgbClr val="0000FF"/>
@@ -6223,7 +5877,7 @@
     <a:spDef>
       <a:spPr>
         <a:solidFill>
-          <a:srgbClr val="003399"/>
+          <a:srgbClr val="0B0F14"/>
         </a:solidFill>
         <a:ln w="25400" cap="flat">
           <a:solidFill>
@@ -6259,14 +5913,14 @@
               <a:noFill/>
             </a:ln>
             <a:solidFill>
-              <a:srgbClr val="000514"/>
+              <a:srgbClr val="0B0F14"/>
             </a:solidFill>
             <a:effectLst/>
             <a:uFillTx/>
-            <a:latin typeface="+mn-lt"/>
-            <a:ea typeface="+mn-ea"/>
-            <a:cs typeface="+mn-cs"/>
-            <a:sym typeface="Helvetica"/>
+            <a:latin typeface="+mj-lt"/>
+            <a:ea typeface="+mj-ea"/>
+            <a:cs typeface="+mj-cs"/>
+            <a:sym typeface="Arial"/>
           </a:defRPr>
         </a:defPPr>
         <a:lvl1pPr marL="0" marR="0" indent="0" algn="l" defTabSz="914400" rtl="0" fontAlgn="auto" latinLnBrk="1" hangingPunct="0">
@@ -6830,14 +6484,14 @@
               <a:noFill/>
             </a:ln>
             <a:solidFill>
-              <a:srgbClr val="000514"/>
+              <a:srgbClr val="0B0F14"/>
             </a:solidFill>
             <a:effectLst/>
             <a:uFillTx/>
-            <a:latin typeface="+mn-lt"/>
-            <a:ea typeface="+mn-ea"/>
-            <a:cs typeface="+mn-cs"/>
-            <a:sym typeface="Helvetica"/>
+            <a:latin typeface="+mj-lt"/>
+            <a:ea typeface="+mj-ea"/>
+            <a:cs typeface="+mj-cs"/>
+            <a:sym typeface="Arial"/>
           </a:defRPr>
         </a:defPPr>
         <a:lvl1pPr marL="0" marR="0" indent="0" algn="l" defTabSz="914400" rtl="0" fontAlgn="auto" latinLnBrk="1" hangingPunct="0">
